--- a/Slides/Module 3 - Working with the database.pptx
+++ b/Slides/Module 3 - Working with the database.pptx
@@ -5,39 +5,34 @@
     <p:sldMasterId id="2147483660" r:id="rId4"/>
   </p:sldMasterIdLst>
   <p:notesMasterIdLst>
-    <p:notesMasterId r:id="rId32"/>
+    <p:notesMasterId r:id="rId27"/>
   </p:notesMasterIdLst>
   <p:handoutMasterIdLst>
-    <p:handoutMasterId r:id="rId33"/>
+    <p:handoutMasterId r:id="rId28"/>
   </p:handoutMasterIdLst>
   <p:sldIdLst>
     <p:sldId id="277" r:id="rId5"/>
     <p:sldId id="278" r:id="rId6"/>
-    <p:sldId id="282" r:id="rId7"/>
-    <p:sldId id="283" r:id="rId8"/>
-    <p:sldId id="284" r:id="rId9"/>
-    <p:sldId id="286" r:id="rId10"/>
-    <p:sldId id="289" r:id="rId11"/>
-    <p:sldId id="287" r:id="rId12"/>
-    <p:sldId id="288" r:id="rId13"/>
-    <p:sldId id="290" r:id="rId14"/>
-    <p:sldId id="291" r:id="rId15"/>
-    <p:sldId id="292" r:id="rId16"/>
-    <p:sldId id="293" r:id="rId17"/>
-    <p:sldId id="294" r:id="rId18"/>
-    <p:sldId id="295" r:id="rId19"/>
-    <p:sldId id="296" r:id="rId20"/>
-    <p:sldId id="298" r:id="rId21"/>
-    <p:sldId id="297" r:id="rId22"/>
-    <p:sldId id="299" r:id="rId23"/>
-    <p:sldId id="300" r:id="rId24"/>
-    <p:sldId id="301" r:id="rId25"/>
-    <p:sldId id="302" r:id="rId26"/>
-    <p:sldId id="303" r:id="rId27"/>
-    <p:sldId id="304" r:id="rId28"/>
-    <p:sldId id="305" r:id="rId29"/>
-    <p:sldId id="306" r:id="rId30"/>
-    <p:sldId id="269" r:id="rId31"/>
+    <p:sldId id="290" r:id="rId7"/>
+    <p:sldId id="291" r:id="rId8"/>
+    <p:sldId id="292" r:id="rId9"/>
+    <p:sldId id="293" r:id="rId10"/>
+    <p:sldId id="294" r:id="rId11"/>
+    <p:sldId id="295" r:id="rId12"/>
+    <p:sldId id="307" r:id="rId13"/>
+    <p:sldId id="296" r:id="rId14"/>
+    <p:sldId id="298" r:id="rId15"/>
+    <p:sldId id="308" r:id="rId16"/>
+    <p:sldId id="297" r:id="rId17"/>
+    <p:sldId id="299" r:id="rId18"/>
+    <p:sldId id="300" r:id="rId19"/>
+    <p:sldId id="301" r:id="rId20"/>
+    <p:sldId id="302" r:id="rId21"/>
+    <p:sldId id="303" r:id="rId22"/>
+    <p:sldId id="304" r:id="rId23"/>
+    <p:sldId id="305" r:id="rId24"/>
+    <p:sldId id="306" r:id="rId25"/>
+    <p:sldId id="269" r:id="rId26"/>
   </p:sldIdLst>
   <p:sldSz cx="12192000" cy="6858000"/>
   <p:notesSz cx="6858000" cy="9144000"/>
@@ -229,7 +224,7 @@
           <a:p>
             <a:fld id="{312E7B4A-039C-48A2-9B2C-AF16AA3873D8}" type="datetimeFigureOut">
               <a:rPr lang="en-US" smtClean="0"/>
-              <a:t>6/12/2015</a:t>
+              <a:t>6/16/2015</a:t>
             </a:fld>
             <a:endParaRPr lang="en-US"/>
           </a:p>
@@ -394,7 +389,7 @@
           <a:p>
             <a:fld id="{DA005A0C-54D9-45AA-87D4-C551D08DFCE1}" type="datetimeFigureOut">
               <a:rPr lang="en-US" smtClean="0"/>
-              <a:t>6/12/2015</a:t>
+              <a:t>6/16/2015</a:t>
             </a:fld>
             <a:endParaRPr lang="en-US"/>
           </a:p>
@@ -888,13 +883,288 @@
           <a:bodyPr/>
           <a:lstStyle/>
           <a:p>
-            <a:r>
-              <a:rPr lang="en-US" dirty="0" smtClean="0"/>
-              <a:t>Right click on the project, choose Open Command Prompt</a:t>
-            </a:r>
-            <a:r>
-              <a:rPr lang="en-US" baseline="0" dirty="0" smtClean="0"/>
-              <a:t> Here…</a:t>
+            <a:pPr lvl="0"/>
+            <a:r>
+              <a:rPr lang="en-US" sz="1200" kern="1200" dirty="0" smtClean="0">
+                <a:solidFill>
+                  <a:schemeClr val="tx1"/>
+                </a:solidFill>
+                <a:effectLst/>
+                <a:latin typeface="+mn-lt"/>
+                <a:ea typeface="+mn-ea"/>
+                <a:cs typeface="+mn-cs"/>
+              </a:rPr>
+              <a:t>Create an artist using the Django Shell in Visual Studio</a:t>
+            </a:r>
+          </a:p>
+          <a:p>
+            <a:pPr lvl="1"/>
+            <a:r>
+              <a:rPr lang="en-US" sz="1200" kern="1200" dirty="0" smtClean="0">
+                <a:solidFill>
+                  <a:schemeClr val="tx1"/>
+                </a:solidFill>
+                <a:effectLst/>
+                <a:latin typeface="+mn-lt"/>
+                <a:ea typeface="+mn-ea"/>
+                <a:cs typeface="+mn-cs"/>
+              </a:rPr>
+              <a:t>Switch back to Visual Studio</a:t>
+            </a:r>
+          </a:p>
+          <a:p>
+            <a:pPr lvl="1"/>
+            <a:r>
+              <a:rPr lang="en-US" sz="1200" kern="1200" dirty="0" smtClean="0">
+                <a:solidFill>
+                  <a:schemeClr val="tx1"/>
+                </a:solidFill>
+                <a:effectLst/>
+                <a:latin typeface="+mn-lt"/>
+                <a:ea typeface="+mn-ea"/>
+                <a:cs typeface="+mn-cs"/>
+              </a:rPr>
+              <a:t>Right click on the project, and choose </a:t>
+            </a:r>
+            <a:r>
+              <a:rPr lang="en-US" sz="1200" b="1" kern="1200" dirty="0" smtClean="0">
+                <a:solidFill>
+                  <a:schemeClr val="tx1"/>
+                </a:solidFill>
+                <a:effectLst/>
+                <a:latin typeface="+mn-lt"/>
+                <a:ea typeface="+mn-ea"/>
+                <a:cs typeface="+mn-cs"/>
+              </a:rPr>
+              <a:t>Python &gt; Open Django Shell</a:t>
+            </a:r>
+            <a:endParaRPr lang="en-US" sz="1200" kern="1200" dirty="0" smtClean="0">
+              <a:solidFill>
+                <a:schemeClr val="tx1"/>
+              </a:solidFill>
+              <a:effectLst/>
+              <a:latin typeface="+mn-lt"/>
+              <a:ea typeface="+mn-ea"/>
+              <a:cs typeface="+mn-cs"/>
+            </a:endParaRPr>
+          </a:p>
+          <a:p>
+            <a:pPr lvl="2"/>
+            <a:r>
+              <a:rPr lang="en-US" sz="1200" kern="1200" dirty="0" smtClean="0">
+                <a:solidFill>
+                  <a:schemeClr val="tx1"/>
+                </a:solidFill>
+                <a:effectLst/>
+                <a:latin typeface="+mn-lt"/>
+                <a:ea typeface="+mn-ea"/>
+                <a:cs typeface="+mn-cs"/>
+              </a:rPr>
+              <a:t>This will load all of the necessary libraries</a:t>
+            </a:r>
+          </a:p>
+          <a:p>
+            <a:pPr lvl="2"/>
+            <a:r>
+              <a:rPr lang="en-US" sz="1200" kern="1200" dirty="0" smtClean="0">
+                <a:solidFill>
+                  <a:schemeClr val="tx1"/>
+                </a:solidFill>
+                <a:effectLst/>
+                <a:latin typeface="+mn-lt"/>
+                <a:ea typeface="+mn-ea"/>
+                <a:cs typeface="+mn-cs"/>
+              </a:rPr>
+              <a:t>This is possible from the command prompt, but doing it this way makes it easier</a:t>
+            </a:r>
+          </a:p>
+          <a:p>
+            <a:pPr lvl="0"/>
+            <a:r>
+              <a:rPr lang="en-US" sz="1200" kern="1200" dirty="0" smtClean="0">
+                <a:solidFill>
+                  <a:schemeClr val="tx1"/>
+                </a:solidFill>
+                <a:effectLst/>
+                <a:latin typeface="+mn-lt"/>
+                <a:ea typeface="+mn-ea"/>
+                <a:cs typeface="+mn-cs"/>
+              </a:rPr>
+              <a:t>Create the artist</a:t>
+            </a:r>
+          </a:p>
+          <a:p>
+            <a:pPr lvl="1"/>
+            <a:r>
+              <a:rPr lang="en-US" sz="1200" kern="1200" dirty="0" smtClean="0">
+                <a:solidFill>
+                  <a:schemeClr val="tx1"/>
+                </a:solidFill>
+                <a:effectLst/>
+                <a:latin typeface="+mn-lt"/>
+                <a:ea typeface="+mn-ea"/>
+                <a:cs typeface="+mn-cs"/>
+              </a:rPr>
+              <a:t>In the shell type:</a:t>
+            </a:r>
+          </a:p>
+          <a:p>
+            <a:pPr lvl="1"/>
+            <a:r>
+              <a:rPr lang="en-US" sz="1200" b="1" kern="1200" dirty="0" smtClean="0">
+                <a:solidFill>
+                  <a:schemeClr val="tx1"/>
+                </a:solidFill>
+                <a:effectLst/>
+                <a:latin typeface="+mn-lt"/>
+                <a:ea typeface="+mn-ea"/>
+                <a:cs typeface="+mn-cs"/>
+              </a:rPr>
+              <a:t>from </a:t>
+            </a:r>
+            <a:r>
+              <a:rPr lang="en-US" sz="1200" b="1" kern="1200" dirty="0" err="1" smtClean="0">
+                <a:solidFill>
+                  <a:schemeClr val="tx1"/>
+                </a:solidFill>
+                <a:effectLst/>
+                <a:latin typeface="+mn-lt"/>
+                <a:ea typeface="+mn-ea"/>
+                <a:cs typeface="+mn-cs"/>
+              </a:rPr>
+              <a:t>app.models</a:t>
+            </a:r>
+            <a:r>
+              <a:rPr lang="en-US" sz="1200" b="1" kern="1200" dirty="0" smtClean="0">
+                <a:solidFill>
+                  <a:schemeClr val="tx1"/>
+                </a:solidFill>
+                <a:effectLst/>
+                <a:latin typeface="+mn-lt"/>
+                <a:ea typeface="+mn-ea"/>
+                <a:cs typeface="+mn-cs"/>
+              </a:rPr>
+              <a:t> import Artist;</a:t>
+            </a:r>
+            <a:endParaRPr lang="en-US" sz="1200" kern="1200" dirty="0" smtClean="0">
+              <a:solidFill>
+                <a:schemeClr val="tx1"/>
+              </a:solidFill>
+              <a:effectLst/>
+              <a:latin typeface="+mn-lt"/>
+              <a:ea typeface="+mn-ea"/>
+              <a:cs typeface="+mn-cs"/>
+            </a:endParaRPr>
+          </a:p>
+          <a:p>
+            <a:pPr lvl="1"/>
+            <a:r>
+              <a:rPr lang="en-US" sz="1200" b="1" kern="1200" dirty="0" err="1" smtClean="0">
+                <a:solidFill>
+                  <a:schemeClr val="tx1"/>
+                </a:solidFill>
+                <a:effectLst/>
+                <a:latin typeface="+mn-lt"/>
+                <a:ea typeface="+mn-ea"/>
+                <a:cs typeface="+mn-cs"/>
+              </a:rPr>
+              <a:t>newArtist</a:t>
+            </a:r>
+            <a:r>
+              <a:rPr lang="en-US" sz="1200" b="1" kern="1200" dirty="0" smtClean="0">
+                <a:solidFill>
+                  <a:schemeClr val="tx1"/>
+                </a:solidFill>
+                <a:effectLst/>
+                <a:latin typeface="+mn-lt"/>
+                <a:ea typeface="+mn-ea"/>
+                <a:cs typeface="+mn-cs"/>
+              </a:rPr>
+              <a:t> = Artist(name = "The Cure", </a:t>
+            </a:r>
+            <a:r>
+              <a:rPr lang="en-US" sz="1200" b="1" kern="1200" dirty="0" err="1" smtClean="0">
+                <a:solidFill>
+                  <a:schemeClr val="tx1"/>
+                </a:solidFill>
+                <a:effectLst/>
+                <a:latin typeface="+mn-lt"/>
+                <a:ea typeface="+mn-ea"/>
+                <a:cs typeface="+mn-cs"/>
+              </a:rPr>
+              <a:t>year_formed</a:t>
+            </a:r>
+            <a:r>
+              <a:rPr lang="en-US" sz="1200" b="1" kern="1200" dirty="0" smtClean="0">
+                <a:solidFill>
+                  <a:schemeClr val="tx1"/>
+                </a:solidFill>
+                <a:effectLst/>
+                <a:latin typeface="+mn-lt"/>
+                <a:ea typeface="+mn-ea"/>
+                <a:cs typeface="+mn-cs"/>
+              </a:rPr>
+              <a:t> = 1978);</a:t>
+            </a:r>
+            <a:endParaRPr lang="en-US" sz="1200" kern="1200" dirty="0" smtClean="0">
+              <a:solidFill>
+                <a:schemeClr val="tx1"/>
+              </a:solidFill>
+              <a:effectLst/>
+              <a:latin typeface="+mn-lt"/>
+              <a:ea typeface="+mn-ea"/>
+              <a:cs typeface="+mn-cs"/>
+            </a:endParaRPr>
+          </a:p>
+          <a:p>
+            <a:pPr lvl="1"/>
+            <a:r>
+              <a:rPr lang="en-US" sz="1200" b="1" kern="1200" dirty="0" err="1" smtClean="0">
+                <a:solidFill>
+                  <a:schemeClr val="tx1"/>
+                </a:solidFill>
+                <a:effectLst/>
+                <a:latin typeface="+mn-lt"/>
+                <a:ea typeface="+mn-ea"/>
+                <a:cs typeface="+mn-cs"/>
+              </a:rPr>
+              <a:t>newArtist.save</a:t>
+            </a:r>
+            <a:r>
+              <a:rPr lang="en-US" sz="1200" b="1" kern="1200" dirty="0" smtClean="0">
+                <a:solidFill>
+                  <a:schemeClr val="tx1"/>
+                </a:solidFill>
+                <a:effectLst/>
+                <a:latin typeface="+mn-lt"/>
+                <a:ea typeface="+mn-ea"/>
+                <a:cs typeface="+mn-cs"/>
+              </a:rPr>
+              <a:t>();</a:t>
+            </a:r>
+            <a:endParaRPr lang="en-US" sz="1200" kern="1200" dirty="0" smtClean="0">
+              <a:solidFill>
+                <a:schemeClr val="tx1"/>
+              </a:solidFill>
+              <a:effectLst/>
+              <a:latin typeface="+mn-lt"/>
+              <a:ea typeface="+mn-ea"/>
+              <a:cs typeface="+mn-cs"/>
+            </a:endParaRPr>
+          </a:p>
+          <a:p>
+            <a:pPr lvl="2"/>
+            <a:r>
+              <a:rPr lang="en-US" sz="1200" kern="1200" dirty="0" smtClean="0">
+                <a:solidFill>
+                  <a:schemeClr val="tx1"/>
+                </a:solidFill>
+                <a:effectLst/>
+                <a:latin typeface="+mn-lt"/>
+                <a:ea typeface="+mn-ea"/>
+                <a:cs typeface="+mn-cs"/>
+              </a:rPr>
+              <a:t>This will create the artist and save it in the SQLite database</a:t>
             </a:r>
           </a:p>
           <a:p>
@@ -919,7 +1189,7 @@
           <a:p>
             <a:fld id="{4CFD207A-07DF-40AD-A916-9872E089CE7A}" type="slidenum">
               <a:rPr lang="en-US" smtClean="0"/>
-              <a:t>9</a:t>
+              <a:t>4</a:t>
             </a:fld>
             <a:endParaRPr lang="en-US"/>
           </a:p>
@@ -928,7 +1198,1601 @@
     </p:spTree>
     <p:extLst>
       <p:ext uri="{BB962C8B-B14F-4D97-AF65-F5344CB8AC3E}">
-        <p14:creationId xmlns:p14="http://schemas.microsoft.com/office/powerpoint/2010/main" val="3171987047"/>
+        <p14:creationId xmlns:p14="http://schemas.microsoft.com/office/powerpoint/2010/main" val="2445107037"/>
+      </p:ext>
+    </p:extLst>
+  </p:cSld>
+  <p:clrMapOvr>
+    <a:masterClrMapping/>
+  </p:clrMapOvr>
+</p:notes>
+</file>
+
+<file path=ppt/notesSlides/notesSlide4.xml><?xml version="1.0" encoding="utf-8"?>
+<p:notes xmlns:a="http://schemas.openxmlformats.org/drawingml/2006/main" xmlns:r="http://schemas.openxmlformats.org/officeDocument/2006/relationships" xmlns:p="http://schemas.openxmlformats.org/presentationml/2006/main">
+  <p:cSld>
+    <p:spTree>
+      <p:nvGrpSpPr>
+        <p:cNvPr id="1" name=""/>
+        <p:cNvGrpSpPr/>
+        <p:nvPr/>
+      </p:nvGrpSpPr>
+      <p:grpSpPr>
+        <a:xfrm>
+          <a:off x="0" y="0"/>
+          <a:ext cx="0" cy="0"/>
+          <a:chOff x="0" y="0"/>
+          <a:chExt cx="0" cy="0"/>
+        </a:xfrm>
+      </p:grpSpPr>
+      <p:sp>
+        <p:nvSpPr>
+          <p:cNvPr id="2" name="Slide Image Placeholder 1"/>
+          <p:cNvSpPr>
+            <a:spLocks noGrp="1" noRot="1" noChangeAspect="1"/>
+          </p:cNvSpPr>
+          <p:nvPr>
+            <p:ph type="sldImg"/>
+          </p:nvPr>
+        </p:nvSpPr>
+        <p:spPr/>
+      </p:sp>
+      <p:sp>
+        <p:nvSpPr>
+          <p:cNvPr id="3" name="Notes Placeholder 2"/>
+          <p:cNvSpPr>
+            <a:spLocks noGrp="1"/>
+          </p:cNvSpPr>
+          <p:nvPr>
+            <p:ph type="body" idx="1"/>
+          </p:nvPr>
+        </p:nvSpPr>
+        <p:spPr/>
+        <p:txBody>
+          <a:bodyPr/>
+          <a:lstStyle/>
+          <a:p>
+            <a:pPr lvl="0"/>
+            <a:r>
+              <a:rPr lang="en-US" sz="1200" kern="1200" dirty="0" smtClean="0">
+                <a:solidFill>
+                  <a:schemeClr val="tx1"/>
+                </a:solidFill>
+                <a:effectLst/>
+                <a:latin typeface="+mn-lt"/>
+                <a:ea typeface="+mn-ea"/>
+                <a:cs typeface="+mn-cs"/>
+              </a:rPr>
+              <a:t>Create an artist using the Django Shell in Visual Studio</a:t>
+            </a:r>
+          </a:p>
+          <a:p>
+            <a:pPr lvl="1"/>
+            <a:r>
+              <a:rPr lang="en-US" sz="1200" kern="1200" dirty="0" smtClean="0">
+                <a:solidFill>
+                  <a:schemeClr val="tx1"/>
+                </a:solidFill>
+                <a:effectLst/>
+                <a:latin typeface="+mn-lt"/>
+                <a:ea typeface="+mn-ea"/>
+                <a:cs typeface="+mn-cs"/>
+              </a:rPr>
+              <a:t>Switch back to Visual Studio</a:t>
+            </a:r>
+          </a:p>
+          <a:p>
+            <a:pPr lvl="1"/>
+            <a:r>
+              <a:rPr lang="en-US" sz="1200" kern="1200" dirty="0" smtClean="0">
+                <a:solidFill>
+                  <a:schemeClr val="tx1"/>
+                </a:solidFill>
+                <a:effectLst/>
+                <a:latin typeface="+mn-lt"/>
+                <a:ea typeface="+mn-ea"/>
+                <a:cs typeface="+mn-cs"/>
+              </a:rPr>
+              <a:t>Right click on the project, and choose </a:t>
+            </a:r>
+            <a:r>
+              <a:rPr lang="en-US" sz="1200" b="1" kern="1200" dirty="0" smtClean="0">
+                <a:solidFill>
+                  <a:schemeClr val="tx1"/>
+                </a:solidFill>
+                <a:effectLst/>
+                <a:latin typeface="+mn-lt"/>
+                <a:ea typeface="+mn-ea"/>
+                <a:cs typeface="+mn-cs"/>
+              </a:rPr>
+              <a:t>Python &gt; Open Django Shell</a:t>
+            </a:r>
+            <a:endParaRPr lang="en-US" sz="1200" kern="1200" dirty="0" smtClean="0">
+              <a:solidFill>
+                <a:schemeClr val="tx1"/>
+              </a:solidFill>
+              <a:effectLst/>
+              <a:latin typeface="+mn-lt"/>
+              <a:ea typeface="+mn-ea"/>
+              <a:cs typeface="+mn-cs"/>
+            </a:endParaRPr>
+          </a:p>
+          <a:p>
+            <a:pPr lvl="2"/>
+            <a:r>
+              <a:rPr lang="en-US" sz="1200" kern="1200" dirty="0" smtClean="0">
+                <a:solidFill>
+                  <a:schemeClr val="tx1"/>
+                </a:solidFill>
+                <a:effectLst/>
+                <a:latin typeface="+mn-lt"/>
+                <a:ea typeface="+mn-ea"/>
+                <a:cs typeface="+mn-cs"/>
+              </a:rPr>
+              <a:t>This will load all of the necessary libraries</a:t>
+            </a:r>
+          </a:p>
+          <a:p>
+            <a:pPr lvl="2"/>
+            <a:r>
+              <a:rPr lang="en-US" sz="1200" kern="1200" dirty="0" smtClean="0">
+                <a:solidFill>
+                  <a:schemeClr val="tx1"/>
+                </a:solidFill>
+                <a:effectLst/>
+                <a:latin typeface="+mn-lt"/>
+                <a:ea typeface="+mn-ea"/>
+                <a:cs typeface="+mn-cs"/>
+              </a:rPr>
+              <a:t>This is possible from the command prompt, but doing it this way makes it easier</a:t>
+            </a:r>
+          </a:p>
+          <a:p>
+            <a:pPr lvl="0"/>
+            <a:r>
+              <a:rPr lang="en-US" sz="1200" kern="1200" dirty="0" smtClean="0">
+                <a:solidFill>
+                  <a:schemeClr val="tx1"/>
+                </a:solidFill>
+                <a:effectLst/>
+                <a:latin typeface="+mn-lt"/>
+                <a:ea typeface="+mn-ea"/>
+                <a:cs typeface="+mn-cs"/>
+              </a:rPr>
+              <a:t>Create the artist</a:t>
+            </a:r>
+          </a:p>
+          <a:p>
+            <a:pPr lvl="1"/>
+            <a:r>
+              <a:rPr lang="en-US" sz="1200" kern="1200" dirty="0" smtClean="0">
+                <a:solidFill>
+                  <a:schemeClr val="tx1"/>
+                </a:solidFill>
+                <a:effectLst/>
+                <a:latin typeface="+mn-lt"/>
+                <a:ea typeface="+mn-ea"/>
+                <a:cs typeface="+mn-cs"/>
+              </a:rPr>
+              <a:t>In the shell type:</a:t>
+            </a:r>
+          </a:p>
+          <a:p>
+            <a:pPr lvl="1"/>
+            <a:r>
+              <a:rPr lang="en-US" sz="1200" b="1" kern="1200" dirty="0" smtClean="0">
+                <a:solidFill>
+                  <a:schemeClr val="tx1"/>
+                </a:solidFill>
+                <a:effectLst/>
+                <a:latin typeface="+mn-lt"/>
+                <a:ea typeface="+mn-ea"/>
+                <a:cs typeface="+mn-cs"/>
+              </a:rPr>
+              <a:t>from </a:t>
+            </a:r>
+            <a:r>
+              <a:rPr lang="en-US" sz="1200" b="1" kern="1200" dirty="0" err="1" smtClean="0">
+                <a:solidFill>
+                  <a:schemeClr val="tx1"/>
+                </a:solidFill>
+                <a:effectLst/>
+                <a:latin typeface="+mn-lt"/>
+                <a:ea typeface="+mn-ea"/>
+                <a:cs typeface="+mn-cs"/>
+              </a:rPr>
+              <a:t>app.models</a:t>
+            </a:r>
+            <a:r>
+              <a:rPr lang="en-US" sz="1200" b="1" kern="1200" dirty="0" smtClean="0">
+                <a:solidFill>
+                  <a:schemeClr val="tx1"/>
+                </a:solidFill>
+                <a:effectLst/>
+                <a:latin typeface="+mn-lt"/>
+                <a:ea typeface="+mn-ea"/>
+                <a:cs typeface="+mn-cs"/>
+              </a:rPr>
+              <a:t> import Artist;</a:t>
+            </a:r>
+            <a:endParaRPr lang="en-US" sz="1200" kern="1200" dirty="0" smtClean="0">
+              <a:solidFill>
+                <a:schemeClr val="tx1"/>
+              </a:solidFill>
+              <a:effectLst/>
+              <a:latin typeface="+mn-lt"/>
+              <a:ea typeface="+mn-ea"/>
+              <a:cs typeface="+mn-cs"/>
+            </a:endParaRPr>
+          </a:p>
+          <a:p>
+            <a:pPr lvl="1"/>
+            <a:r>
+              <a:rPr lang="en-US" sz="1200" b="1" kern="1200" dirty="0" err="1" smtClean="0">
+                <a:solidFill>
+                  <a:schemeClr val="tx1"/>
+                </a:solidFill>
+                <a:effectLst/>
+                <a:latin typeface="+mn-lt"/>
+                <a:ea typeface="+mn-ea"/>
+                <a:cs typeface="+mn-cs"/>
+              </a:rPr>
+              <a:t>newArtist</a:t>
+            </a:r>
+            <a:r>
+              <a:rPr lang="en-US" sz="1200" b="1" kern="1200" dirty="0" smtClean="0">
+                <a:solidFill>
+                  <a:schemeClr val="tx1"/>
+                </a:solidFill>
+                <a:effectLst/>
+                <a:latin typeface="+mn-lt"/>
+                <a:ea typeface="+mn-ea"/>
+                <a:cs typeface="+mn-cs"/>
+              </a:rPr>
+              <a:t> = Artist(name = "The Cure", </a:t>
+            </a:r>
+            <a:r>
+              <a:rPr lang="en-US" sz="1200" b="1" kern="1200" dirty="0" err="1" smtClean="0">
+                <a:solidFill>
+                  <a:schemeClr val="tx1"/>
+                </a:solidFill>
+                <a:effectLst/>
+                <a:latin typeface="+mn-lt"/>
+                <a:ea typeface="+mn-ea"/>
+                <a:cs typeface="+mn-cs"/>
+              </a:rPr>
+              <a:t>year_formed</a:t>
+            </a:r>
+            <a:r>
+              <a:rPr lang="en-US" sz="1200" b="1" kern="1200" dirty="0" smtClean="0">
+                <a:solidFill>
+                  <a:schemeClr val="tx1"/>
+                </a:solidFill>
+                <a:effectLst/>
+                <a:latin typeface="+mn-lt"/>
+                <a:ea typeface="+mn-ea"/>
+                <a:cs typeface="+mn-cs"/>
+              </a:rPr>
+              <a:t> = 1978);</a:t>
+            </a:r>
+            <a:endParaRPr lang="en-US" sz="1200" kern="1200" dirty="0" smtClean="0">
+              <a:solidFill>
+                <a:schemeClr val="tx1"/>
+              </a:solidFill>
+              <a:effectLst/>
+              <a:latin typeface="+mn-lt"/>
+              <a:ea typeface="+mn-ea"/>
+              <a:cs typeface="+mn-cs"/>
+            </a:endParaRPr>
+          </a:p>
+          <a:p>
+            <a:pPr lvl="1"/>
+            <a:r>
+              <a:rPr lang="en-US" sz="1200" b="1" kern="1200" dirty="0" err="1" smtClean="0">
+                <a:solidFill>
+                  <a:schemeClr val="tx1"/>
+                </a:solidFill>
+                <a:effectLst/>
+                <a:latin typeface="+mn-lt"/>
+                <a:ea typeface="+mn-ea"/>
+                <a:cs typeface="+mn-cs"/>
+              </a:rPr>
+              <a:t>newArtist.save</a:t>
+            </a:r>
+            <a:r>
+              <a:rPr lang="en-US" sz="1200" b="1" kern="1200" dirty="0" smtClean="0">
+                <a:solidFill>
+                  <a:schemeClr val="tx1"/>
+                </a:solidFill>
+                <a:effectLst/>
+                <a:latin typeface="+mn-lt"/>
+                <a:ea typeface="+mn-ea"/>
+                <a:cs typeface="+mn-cs"/>
+              </a:rPr>
+              <a:t>();</a:t>
+            </a:r>
+            <a:endParaRPr lang="en-US" sz="1200" kern="1200" dirty="0" smtClean="0">
+              <a:solidFill>
+                <a:schemeClr val="tx1"/>
+              </a:solidFill>
+              <a:effectLst/>
+              <a:latin typeface="+mn-lt"/>
+              <a:ea typeface="+mn-ea"/>
+              <a:cs typeface="+mn-cs"/>
+            </a:endParaRPr>
+          </a:p>
+          <a:p>
+            <a:pPr lvl="2"/>
+            <a:r>
+              <a:rPr lang="en-US" sz="1200" kern="1200" dirty="0" smtClean="0">
+                <a:solidFill>
+                  <a:schemeClr val="tx1"/>
+                </a:solidFill>
+                <a:effectLst/>
+                <a:latin typeface="+mn-lt"/>
+                <a:ea typeface="+mn-ea"/>
+                <a:cs typeface="+mn-cs"/>
+              </a:rPr>
+              <a:t>This will create the artist and save it in the SQLite database</a:t>
+            </a:r>
+          </a:p>
+          <a:p>
+            <a:r>
+              <a:rPr lang="en-CA" baseline="0" dirty="0" smtClean="0"/>
+              <a:t>Now update the year formed and save the changes</a:t>
+            </a:r>
+          </a:p>
+          <a:p>
+            <a:r>
+              <a:rPr lang="en-US" sz="1200" kern="1200" dirty="0" smtClean="0">
+                <a:solidFill>
+                  <a:schemeClr val="tx1"/>
+                </a:solidFill>
+                <a:latin typeface="+mn-lt"/>
+                <a:ea typeface="+mn-ea"/>
+                <a:cs typeface="+mn-cs"/>
+              </a:rPr>
+              <a:t> 	</a:t>
+            </a:r>
+            <a:r>
+              <a:rPr lang="en-US" sz="1200" b="1" kern="1200" dirty="0" err="1" smtClean="0">
+                <a:solidFill>
+                  <a:schemeClr val="tx1"/>
+                </a:solidFill>
+                <a:latin typeface="+mn-lt"/>
+                <a:ea typeface="+mn-ea"/>
+                <a:cs typeface="+mn-cs"/>
+              </a:rPr>
+              <a:t>newArtist.year_formed</a:t>
+            </a:r>
+            <a:r>
+              <a:rPr lang="en-US" sz="1200" b="1" kern="1200" dirty="0" smtClean="0">
+                <a:solidFill>
+                  <a:schemeClr val="tx1"/>
+                </a:solidFill>
+                <a:latin typeface="+mn-lt"/>
+                <a:ea typeface="+mn-ea"/>
+                <a:cs typeface="+mn-cs"/>
+              </a:rPr>
+              <a:t>=1986</a:t>
+            </a:r>
+          </a:p>
+          <a:p>
+            <a:r>
+              <a:rPr lang="en-US" sz="1200" b="1" kern="1200" dirty="0" smtClean="0">
+                <a:solidFill>
+                  <a:schemeClr val="tx1"/>
+                </a:solidFill>
+                <a:latin typeface="+mn-lt"/>
+                <a:ea typeface="+mn-ea"/>
+                <a:cs typeface="+mn-cs"/>
+              </a:rPr>
+              <a:t>	</a:t>
+            </a:r>
+            <a:r>
+              <a:rPr lang="en-US" sz="1200" b="1" kern="1200" dirty="0" err="1" smtClean="0">
+                <a:solidFill>
+                  <a:schemeClr val="tx1"/>
+                </a:solidFill>
+                <a:latin typeface="+mn-lt"/>
+                <a:ea typeface="+mn-ea"/>
+                <a:cs typeface="+mn-cs"/>
+              </a:rPr>
+              <a:t>newArtist.save</a:t>
+            </a:r>
+            <a:r>
+              <a:rPr lang="en-US" sz="1200" b="1" kern="1200" dirty="0" smtClean="0">
+                <a:solidFill>
+                  <a:schemeClr val="tx1"/>
+                </a:solidFill>
+                <a:latin typeface="+mn-lt"/>
+                <a:ea typeface="+mn-ea"/>
+                <a:cs typeface="+mn-cs"/>
+              </a:rPr>
+              <a:t>()</a:t>
+            </a:r>
+          </a:p>
+          <a:p>
+            <a:endParaRPr lang="en-US" baseline="0" dirty="0" smtClean="0"/>
+          </a:p>
+          <a:p>
+            <a:endParaRPr lang="en-US" dirty="0"/>
+          </a:p>
+        </p:txBody>
+      </p:sp>
+      <p:sp>
+        <p:nvSpPr>
+          <p:cNvPr id="4" name="Slide Number Placeholder 3"/>
+          <p:cNvSpPr>
+            <a:spLocks noGrp="1"/>
+          </p:cNvSpPr>
+          <p:nvPr>
+            <p:ph type="sldNum" sz="quarter" idx="10"/>
+          </p:nvPr>
+        </p:nvSpPr>
+        <p:spPr/>
+        <p:txBody>
+          <a:bodyPr/>
+          <a:lstStyle/>
+          <a:p>
+            <a:fld id="{4CFD207A-07DF-40AD-A916-9872E089CE7A}" type="slidenum">
+              <a:rPr lang="en-US" smtClean="0"/>
+              <a:t>6</a:t>
+            </a:fld>
+            <a:endParaRPr lang="en-US"/>
+          </a:p>
+        </p:txBody>
+      </p:sp>
+    </p:spTree>
+    <p:extLst>
+      <p:ext uri="{BB962C8B-B14F-4D97-AF65-F5344CB8AC3E}">
+        <p14:creationId xmlns:p14="http://schemas.microsoft.com/office/powerpoint/2010/main" val="680168282"/>
+      </p:ext>
+    </p:extLst>
+  </p:cSld>
+  <p:clrMapOvr>
+    <a:masterClrMapping/>
+  </p:clrMapOvr>
+</p:notes>
+</file>
+
+<file path=ppt/notesSlides/notesSlide5.xml><?xml version="1.0" encoding="utf-8"?>
+<p:notes xmlns:a="http://schemas.openxmlformats.org/drawingml/2006/main" xmlns:r="http://schemas.openxmlformats.org/officeDocument/2006/relationships" xmlns:p="http://schemas.openxmlformats.org/presentationml/2006/main">
+  <p:cSld>
+    <p:spTree>
+      <p:nvGrpSpPr>
+        <p:cNvPr id="1" name=""/>
+        <p:cNvGrpSpPr/>
+        <p:nvPr/>
+      </p:nvGrpSpPr>
+      <p:grpSpPr>
+        <a:xfrm>
+          <a:off x="0" y="0"/>
+          <a:ext cx="0" cy="0"/>
+          <a:chOff x="0" y="0"/>
+          <a:chExt cx="0" cy="0"/>
+        </a:xfrm>
+      </p:grpSpPr>
+      <p:sp>
+        <p:nvSpPr>
+          <p:cNvPr id="2" name="Slide Image Placeholder 1"/>
+          <p:cNvSpPr>
+            <a:spLocks noGrp="1" noRot="1" noChangeAspect="1"/>
+          </p:cNvSpPr>
+          <p:nvPr>
+            <p:ph type="sldImg"/>
+          </p:nvPr>
+        </p:nvSpPr>
+        <p:spPr/>
+      </p:sp>
+      <p:sp>
+        <p:nvSpPr>
+          <p:cNvPr id="3" name="Notes Placeholder 2"/>
+          <p:cNvSpPr>
+            <a:spLocks noGrp="1"/>
+          </p:cNvSpPr>
+          <p:nvPr>
+            <p:ph type="body" idx="1"/>
+          </p:nvPr>
+        </p:nvSpPr>
+        <p:spPr/>
+        <p:txBody>
+          <a:bodyPr/>
+          <a:lstStyle/>
+          <a:p>
+            <a:pPr lvl="0"/>
+            <a:r>
+              <a:rPr lang="en-US" sz="1200" kern="1200" dirty="0" smtClean="0">
+                <a:solidFill>
+                  <a:schemeClr val="tx1"/>
+                </a:solidFill>
+                <a:effectLst/>
+                <a:latin typeface="+mn-lt"/>
+                <a:ea typeface="+mn-ea"/>
+                <a:cs typeface="+mn-cs"/>
+              </a:rPr>
+              <a:t>Load all artists</a:t>
+            </a:r>
+          </a:p>
+          <a:p>
+            <a:pPr lvl="1"/>
+            <a:r>
+              <a:rPr lang="en-US" sz="1200" kern="1200" dirty="0" smtClean="0">
+                <a:solidFill>
+                  <a:schemeClr val="tx1"/>
+                </a:solidFill>
+                <a:effectLst/>
+                <a:latin typeface="+mn-lt"/>
+                <a:ea typeface="+mn-ea"/>
+                <a:cs typeface="+mn-cs"/>
+              </a:rPr>
+              <a:t>In the shell, type:</a:t>
+            </a:r>
+          </a:p>
+          <a:p>
+            <a:pPr lvl="1"/>
+            <a:r>
+              <a:rPr lang="en-US" sz="1200" b="1" kern="1200" dirty="0" err="1" smtClean="0">
+                <a:solidFill>
+                  <a:schemeClr val="tx1"/>
+                </a:solidFill>
+                <a:effectLst/>
+                <a:latin typeface="+mn-lt"/>
+                <a:ea typeface="+mn-ea"/>
+                <a:cs typeface="+mn-cs"/>
+              </a:rPr>
+              <a:t>allArtists</a:t>
+            </a:r>
+            <a:r>
+              <a:rPr lang="en-US" sz="1200" b="1" kern="1200" dirty="0" smtClean="0">
+                <a:solidFill>
+                  <a:schemeClr val="tx1"/>
+                </a:solidFill>
+                <a:effectLst/>
+                <a:latin typeface="+mn-lt"/>
+                <a:ea typeface="+mn-ea"/>
+                <a:cs typeface="+mn-cs"/>
+              </a:rPr>
+              <a:t> = </a:t>
+            </a:r>
+            <a:r>
+              <a:rPr lang="en-US" sz="1200" b="1" kern="1200" dirty="0" err="1" smtClean="0">
+                <a:solidFill>
+                  <a:schemeClr val="tx1"/>
+                </a:solidFill>
+                <a:effectLst/>
+                <a:latin typeface="+mn-lt"/>
+                <a:ea typeface="+mn-ea"/>
+                <a:cs typeface="+mn-cs"/>
+              </a:rPr>
+              <a:t>Artist.objects.all</a:t>
+            </a:r>
+            <a:r>
+              <a:rPr lang="en-US" sz="1200" b="1" kern="1200" dirty="0" smtClean="0">
+                <a:solidFill>
+                  <a:schemeClr val="tx1"/>
+                </a:solidFill>
+                <a:effectLst/>
+                <a:latin typeface="+mn-lt"/>
+                <a:ea typeface="+mn-ea"/>
+                <a:cs typeface="+mn-cs"/>
+              </a:rPr>
+              <a:t>();</a:t>
+            </a:r>
+            <a:endParaRPr lang="en-US" sz="1200" kern="1200" dirty="0" smtClean="0">
+              <a:solidFill>
+                <a:schemeClr val="tx1"/>
+              </a:solidFill>
+              <a:effectLst/>
+              <a:latin typeface="+mn-lt"/>
+              <a:ea typeface="+mn-ea"/>
+              <a:cs typeface="+mn-cs"/>
+            </a:endParaRPr>
+          </a:p>
+          <a:p>
+            <a:pPr lvl="1"/>
+            <a:r>
+              <a:rPr lang="en-US" sz="1200" b="1" kern="1200" dirty="0" err="1" smtClean="0">
+                <a:solidFill>
+                  <a:schemeClr val="tx1"/>
+                </a:solidFill>
+                <a:effectLst/>
+                <a:latin typeface="+mn-lt"/>
+                <a:ea typeface="+mn-ea"/>
+                <a:cs typeface="+mn-cs"/>
+              </a:rPr>
+              <a:t>allArtists</a:t>
+            </a:r>
+            <a:r>
+              <a:rPr lang="en-US" sz="1200" b="1" kern="1200" dirty="0" smtClean="0">
+                <a:solidFill>
+                  <a:schemeClr val="tx1"/>
+                </a:solidFill>
+                <a:effectLst/>
+                <a:latin typeface="+mn-lt"/>
+                <a:ea typeface="+mn-ea"/>
+                <a:cs typeface="+mn-cs"/>
+              </a:rPr>
+              <a:t>;</a:t>
+            </a:r>
+            <a:endParaRPr lang="en-US" sz="1200" kern="1200" dirty="0" smtClean="0">
+              <a:solidFill>
+                <a:schemeClr val="tx1"/>
+              </a:solidFill>
+              <a:effectLst/>
+              <a:latin typeface="+mn-lt"/>
+              <a:ea typeface="+mn-ea"/>
+              <a:cs typeface="+mn-cs"/>
+            </a:endParaRPr>
+          </a:p>
+          <a:p>
+            <a:pPr lvl="2"/>
+            <a:r>
+              <a:rPr lang="en-US" sz="1200" kern="1200" dirty="0" smtClean="0">
+                <a:solidFill>
+                  <a:schemeClr val="tx1"/>
+                </a:solidFill>
+                <a:effectLst/>
+                <a:latin typeface="+mn-lt"/>
+                <a:ea typeface="+mn-ea"/>
+                <a:cs typeface="+mn-cs"/>
+              </a:rPr>
+              <a:t>[&lt;Artist: Artist object&gt;] is displayed</a:t>
+            </a:r>
+          </a:p>
+          <a:p>
+            <a:pPr lvl="2"/>
+            <a:r>
+              <a:rPr lang="en-US" sz="1200" kern="1200" dirty="0" smtClean="0">
+                <a:solidFill>
+                  <a:schemeClr val="tx1"/>
+                </a:solidFill>
+                <a:effectLst/>
+                <a:latin typeface="+mn-lt"/>
+                <a:ea typeface="+mn-ea"/>
+                <a:cs typeface="+mn-cs"/>
+              </a:rPr>
+              <a:t>The square brackets </a:t>
+            </a:r>
+            <a:r>
+              <a:rPr lang="en-US" sz="1200" b="1" kern="1200" dirty="0" smtClean="0">
+                <a:solidFill>
+                  <a:schemeClr val="tx1"/>
+                </a:solidFill>
+                <a:effectLst/>
+                <a:latin typeface="+mn-lt"/>
+                <a:ea typeface="+mn-ea"/>
+                <a:cs typeface="+mn-cs"/>
+              </a:rPr>
+              <a:t>[ ]</a:t>
+            </a:r>
+            <a:r>
+              <a:rPr lang="en-US" sz="1200" kern="1200" dirty="0" smtClean="0">
+                <a:solidFill>
+                  <a:schemeClr val="tx1"/>
+                </a:solidFill>
+                <a:effectLst/>
+                <a:latin typeface="+mn-lt"/>
+                <a:ea typeface="+mn-ea"/>
+                <a:cs typeface="+mn-cs"/>
+              </a:rPr>
+              <a:t> indicate a collection</a:t>
+            </a:r>
+          </a:p>
+          <a:p>
+            <a:pPr lvl="1"/>
+            <a:r>
+              <a:rPr lang="en-US" sz="1200" b="1" kern="1200" dirty="0" err="1" smtClean="0">
+                <a:solidFill>
+                  <a:schemeClr val="tx1"/>
+                </a:solidFill>
+                <a:effectLst/>
+                <a:latin typeface="+mn-lt"/>
+                <a:ea typeface="+mn-ea"/>
+                <a:cs typeface="+mn-cs"/>
+              </a:rPr>
+              <a:t>allArtists</a:t>
+            </a:r>
+            <a:r>
+              <a:rPr lang="en-US" sz="1200" b="1" kern="1200" dirty="0" smtClean="0">
+                <a:solidFill>
+                  <a:schemeClr val="tx1"/>
+                </a:solidFill>
+                <a:effectLst/>
+                <a:latin typeface="+mn-lt"/>
+                <a:ea typeface="+mn-ea"/>
+                <a:cs typeface="+mn-cs"/>
+              </a:rPr>
+              <a:t>[0].id;</a:t>
+            </a:r>
+            <a:endParaRPr lang="en-US" sz="1200" kern="1200" dirty="0" smtClean="0">
+              <a:solidFill>
+                <a:schemeClr val="tx1"/>
+              </a:solidFill>
+              <a:effectLst/>
+              <a:latin typeface="+mn-lt"/>
+              <a:ea typeface="+mn-ea"/>
+              <a:cs typeface="+mn-cs"/>
+            </a:endParaRPr>
+          </a:p>
+          <a:p>
+            <a:pPr lvl="2"/>
+            <a:r>
+              <a:rPr lang="en-US" sz="1200" kern="1200" dirty="0" smtClean="0">
+                <a:solidFill>
+                  <a:schemeClr val="tx1"/>
+                </a:solidFill>
+                <a:effectLst/>
+                <a:latin typeface="+mn-lt"/>
+                <a:ea typeface="+mn-ea"/>
+                <a:cs typeface="+mn-cs"/>
+              </a:rPr>
+              <a:t>The ID of the first artist is displayed</a:t>
+            </a:r>
+          </a:p>
+          <a:p>
+            <a:pPr lvl="1"/>
+            <a:r>
+              <a:rPr lang="en-US" sz="1200" b="1" kern="1200" dirty="0" smtClean="0">
+                <a:solidFill>
+                  <a:schemeClr val="tx1"/>
+                </a:solidFill>
+                <a:effectLst/>
+                <a:latin typeface="+mn-lt"/>
+                <a:ea typeface="+mn-ea"/>
+                <a:cs typeface="+mn-cs"/>
+              </a:rPr>
+              <a:t>for artist in </a:t>
+            </a:r>
+            <a:r>
+              <a:rPr lang="en-US" sz="1200" b="1" kern="1200" dirty="0" err="1" smtClean="0">
+                <a:solidFill>
+                  <a:schemeClr val="tx1"/>
+                </a:solidFill>
+                <a:effectLst/>
+                <a:latin typeface="+mn-lt"/>
+                <a:ea typeface="+mn-ea"/>
+                <a:cs typeface="+mn-cs"/>
+              </a:rPr>
+              <a:t>allArtists</a:t>
+            </a:r>
+            <a:r>
+              <a:rPr lang="en-US" sz="1200" b="1" kern="1200" dirty="0" smtClean="0">
+                <a:solidFill>
+                  <a:schemeClr val="tx1"/>
+                </a:solidFill>
+                <a:effectLst/>
+                <a:latin typeface="+mn-lt"/>
+                <a:ea typeface="+mn-ea"/>
+                <a:cs typeface="+mn-cs"/>
+              </a:rPr>
+              <a:t>:</a:t>
+            </a:r>
+            <a:endParaRPr lang="en-US" sz="1200" kern="1200" dirty="0" smtClean="0">
+              <a:solidFill>
+                <a:schemeClr val="tx1"/>
+              </a:solidFill>
+              <a:effectLst/>
+              <a:latin typeface="+mn-lt"/>
+              <a:ea typeface="+mn-ea"/>
+              <a:cs typeface="+mn-cs"/>
+            </a:endParaRPr>
+          </a:p>
+          <a:p>
+            <a:pPr lvl="1"/>
+            <a:r>
+              <a:rPr lang="en-US" sz="1200" b="1" kern="1200" dirty="0" smtClean="0">
+                <a:solidFill>
+                  <a:schemeClr val="tx1"/>
+                </a:solidFill>
+                <a:effectLst/>
+                <a:latin typeface="+mn-lt"/>
+                <a:ea typeface="+mn-ea"/>
+                <a:cs typeface="+mn-cs"/>
+              </a:rPr>
+              <a:t>print(artist.name);</a:t>
+            </a:r>
+            <a:endParaRPr lang="en-US" sz="1200" kern="1200" dirty="0" smtClean="0">
+              <a:solidFill>
+                <a:schemeClr val="tx1"/>
+              </a:solidFill>
+              <a:effectLst/>
+              <a:latin typeface="+mn-lt"/>
+              <a:ea typeface="+mn-ea"/>
+              <a:cs typeface="+mn-cs"/>
+            </a:endParaRPr>
+          </a:p>
+          <a:p>
+            <a:pPr lvl="2"/>
+            <a:r>
+              <a:rPr lang="en-US" sz="1200" b="1" kern="1200" dirty="0" smtClean="0">
+                <a:solidFill>
+                  <a:schemeClr val="tx1"/>
+                </a:solidFill>
+                <a:effectLst/>
+                <a:latin typeface="+mn-lt"/>
+                <a:ea typeface="+mn-ea"/>
+                <a:cs typeface="+mn-cs"/>
+              </a:rPr>
+              <a:t>The Cure</a:t>
+            </a:r>
+            <a:r>
+              <a:rPr lang="en-US" sz="1200" kern="1200" dirty="0" smtClean="0">
+                <a:solidFill>
+                  <a:schemeClr val="tx1"/>
+                </a:solidFill>
+                <a:effectLst/>
+                <a:latin typeface="+mn-lt"/>
+                <a:ea typeface="+mn-ea"/>
+                <a:cs typeface="+mn-cs"/>
+              </a:rPr>
+              <a:t> is displayed</a:t>
+            </a:r>
+          </a:p>
+          <a:p>
+            <a:pPr lvl="0"/>
+            <a:r>
+              <a:rPr lang="en-US" sz="1200" kern="1200" dirty="0" smtClean="0">
+                <a:solidFill>
+                  <a:schemeClr val="tx1"/>
+                </a:solidFill>
+                <a:effectLst/>
+                <a:latin typeface="+mn-lt"/>
+                <a:ea typeface="+mn-ea"/>
+                <a:cs typeface="+mn-cs"/>
+              </a:rPr>
+              <a:t>Load an artist by ID</a:t>
+            </a:r>
+          </a:p>
+          <a:p>
+            <a:pPr lvl="1"/>
+            <a:r>
+              <a:rPr lang="en-US" sz="1200" kern="1200" dirty="0" smtClean="0">
+                <a:solidFill>
+                  <a:schemeClr val="tx1"/>
+                </a:solidFill>
+                <a:effectLst/>
+                <a:latin typeface="+mn-lt"/>
+                <a:ea typeface="+mn-ea"/>
+                <a:cs typeface="+mn-cs"/>
+              </a:rPr>
+              <a:t>In the shell, type:</a:t>
+            </a:r>
+          </a:p>
+          <a:p>
+            <a:pPr lvl="1"/>
+            <a:r>
+              <a:rPr lang="en-US" sz="1200" b="1" kern="1200" dirty="0" err="1" smtClean="0">
+                <a:solidFill>
+                  <a:schemeClr val="tx1"/>
+                </a:solidFill>
+                <a:effectLst/>
+                <a:latin typeface="+mn-lt"/>
+                <a:ea typeface="+mn-ea"/>
+                <a:cs typeface="+mn-cs"/>
+              </a:rPr>
+              <a:t>idArtist</a:t>
+            </a:r>
+            <a:r>
+              <a:rPr lang="en-US" sz="1200" b="1" kern="1200" dirty="0" smtClean="0">
+                <a:solidFill>
+                  <a:schemeClr val="tx1"/>
+                </a:solidFill>
+                <a:effectLst/>
+                <a:latin typeface="+mn-lt"/>
+                <a:ea typeface="+mn-ea"/>
+                <a:cs typeface="+mn-cs"/>
+              </a:rPr>
+              <a:t> = </a:t>
+            </a:r>
+            <a:r>
+              <a:rPr lang="en-US" sz="1200" b="1" kern="1200" dirty="0" err="1" smtClean="0">
+                <a:solidFill>
+                  <a:schemeClr val="tx1"/>
+                </a:solidFill>
+                <a:effectLst/>
+                <a:latin typeface="+mn-lt"/>
+                <a:ea typeface="+mn-ea"/>
+                <a:cs typeface="+mn-cs"/>
+              </a:rPr>
+              <a:t>Artist.objects.get</a:t>
+            </a:r>
+            <a:r>
+              <a:rPr lang="en-US" sz="1200" b="1" kern="1200" dirty="0" smtClean="0">
+                <a:solidFill>
+                  <a:schemeClr val="tx1"/>
+                </a:solidFill>
+                <a:effectLst/>
+                <a:latin typeface="+mn-lt"/>
+                <a:ea typeface="+mn-ea"/>
+                <a:cs typeface="+mn-cs"/>
+              </a:rPr>
+              <a:t>(id = 1);</a:t>
+            </a:r>
+            <a:endParaRPr lang="en-US" sz="1200" kern="1200" dirty="0" smtClean="0">
+              <a:solidFill>
+                <a:schemeClr val="tx1"/>
+              </a:solidFill>
+              <a:effectLst/>
+              <a:latin typeface="+mn-lt"/>
+              <a:ea typeface="+mn-ea"/>
+              <a:cs typeface="+mn-cs"/>
+            </a:endParaRPr>
+          </a:p>
+          <a:p>
+            <a:pPr lvl="1"/>
+            <a:r>
+              <a:rPr lang="en-US" sz="1200" b="1" kern="1200" dirty="0" smtClean="0">
+                <a:solidFill>
+                  <a:schemeClr val="tx1"/>
+                </a:solidFill>
+                <a:effectLst/>
+                <a:latin typeface="+mn-lt"/>
+                <a:ea typeface="+mn-ea"/>
+                <a:cs typeface="+mn-cs"/>
+              </a:rPr>
+              <a:t>idArtist.name;</a:t>
+            </a:r>
+            <a:endParaRPr lang="en-US" sz="1200" kern="1200" dirty="0" smtClean="0">
+              <a:solidFill>
+                <a:schemeClr val="tx1"/>
+              </a:solidFill>
+              <a:effectLst/>
+              <a:latin typeface="+mn-lt"/>
+              <a:ea typeface="+mn-ea"/>
+              <a:cs typeface="+mn-cs"/>
+            </a:endParaRPr>
+          </a:p>
+          <a:p>
+            <a:pPr lvl="2"/>
+            <a:r>
+              <a:rPr lang="en-US" sz="1200" b="1" kern="1200" dirty="0" smtClean="0">
+                <a:solidFill>
+                  <a:schemeClr val="tx1"/>
+                </a:solidFill>
+                <a:effectLst/>
+                <a:latin typeface="+mn-lt"/>
+                <a:ea typeface="+mn-ea"/>
+                <a:cs typeface="+mn-cs"/>
+              </a:rPr>
+              <a:t>The Cure</a:t>
+            </a:r>
+            <a:r>
+              <a:rPr lang="en-US" sz="1200" kern="1200" dirty="0" smtClean="0">
+                <a:solidFill>
+                  <a:schemeClr val="tx1"/>
+                </a:solidFill>
+                <a:effectLst/>
+                <a:latin typeface="+mn-lt"/>
+                <a:ea typeface="+mn-ea"/>
+                <a:cs typeface="+mn-cs"/>
+              </a:rPr>
+              <a:t> is displayed</a:t>
+            </a:r>
+          </a:p>
+          <a:p>
+            <a:pPr lvl="0"/>
+            <a:r>
+              <a:rPr lang="en-US" sz="1200" kern="1200" dirty="0" smtClean="0">
+                <a:solidFill>
+                  <a:schemeClr val="tx1"/>
+                </a:solidFill>
+                <a:effectLst/>
+                <a:latin typeface="+mn-lt"/>
+                <a:ea typeface="+mn-ea"/>
+                <a:cs typeface="+mn-cs"/>
+              </a:rPr>
+              <a:t>Load an artist by its name (only one returned)</a:t>
+            </a:r>
+          </a:p>
+          <a:p>
+            <a:pPr lvl="1"/>
+            <a:r>
+              <a:rPr lang="en-US" sz="1200" kern="1200" dirty="0" smtClean="0">
+                <a:solidFill>
+                  <a:schemeClr val="tx1"/>
+                </a:solidFill>
+                <a:effectLst/>
+                <a:latin typeface="+mn-lt"/>
+                <a:ea typeface="+mn-ea"/>
+                <a:cs typeface="+mn-cs"/>
+              </a:rPr>
+              <a:t>In the shell, type:</a:t>
+            </a:r>
+          </a:p>
+          <a:p>
+            <a:pPr lvl="1"/>
+            <a:r>
+              <a:rPr lang="en-US" sz="1200" b="1" kern="1200" dirty="0" err="1" smtClean="0">
+                <a:solidFill>
+                  <a:schemeClr val="tx1"/>
+                </a:solidFill>
+                <a:effectLst/>
+                <a:latin typeface="+mn-lt"/>
+                <a:ea typeface="+mn-ea"/>
+                <a:cs typeface="+mn-cs"/>
+              </a:rPr>
+              <a:t>nameArtist</a:t>
+            </a:r>
+            <a:r>
+              <a:rPr lang="en-US" sz="1200" b="1" kern="1200" dirty="0" smtClean="0">
+                <a:solidFill>
+                  <a:schemeClr val="tx1"/>
+                </a:solidFill>
+                <a:effectLst/>
+                <a:latin typeface="+mn-lt"/>
+                <a:ea typeface="+mn-ea"/>
+                <a:cs typeface="+mn-cs"/>
+              </a:rPr>
+              <a:t> = </a:t>
+            </a:r>
+            <a:r>
+              <a:rPr lang="en-US" sz="1200" b="1" kern="1200" dirty="0" err="1" smtClean="0">
+                <a:solidFill>
+                  <a:schemeClr val="tx1"/>
+                </a:solidFill>
+                <a:effectLst/>
+                <a:latin typeface="+mn-lt"/>
+                <a:ea typeface="+mn-ea"/>
+                <a:cs typeface="+mn-cs"/>
+              </a:rPr>
+              <a:t>Artist.objects.get</a:t>
+            </a:r>
+            <a:r>
+              <a:rPr lang="en-US" sz="1200" b="1" kern="1200" dirty="0" smtClean="0">
+                <a:solidFill>
+                  <a:schemeClr val="tx1"/>
+                </a:solidFill>
+                <a:effectLst/>
+                <a:latin typeface="+mn-lt"/>
+                <a:ea typeface="+mn-ea"/>
+                <a:cs typeface="+mn-cs"/>
+              </a:rPr>
+              <a:t>(name = 'The Cure');</a:t>
+            </a:r>
+            <a:endParaRPr lang="en-US" sz="1200" kern="1200" dirty="0" smtClean="0">
+              <a:solidFill>
+                <a:schemeClr val="tx1"/>
+              </a:solidFill>
+              <a:effectLst/>
+              <a:latin typeface="+mn-lt"/>
+              <a:ea typeface="+mn-ea"/>
+              <a:cs typeface="+mn-cs"/>
+            </a:endParaRPr>
+          </a:p>
+          <a:p>
+            <a:pPr lvl="1"/>
+            <a:r>
+              <a:rPr lang="en-US" sz="1200" b="1" kern="1200" dirty="0" smtClean="0">
+                <a:solidFill>
+                  <a:schemeClr val="tx1"/>
+                </a:solidFill>
+                <a:effectLst/>
+                <a:latin typeface="+mn-lt"/>
+                <a:ea typeface="+mn-ea"/>
+                <a:cs typeface="+mn-cs"/>
+              </a:rPr>
+              <a:t>nameArtist.name;</a:t>
+            </a:r>
+            <a:endParaRPr lang="en-US" sz="1200" kern="1200" dirty="0" smtClean="0">
+              <a:solidFill>
+                <a:schemeClr val="tx1"/>
+              </a:solidFill>
+              <a:effectLst/>
+              <a:latin typeface="+mn-lt"/>
+              <a:ea typeface="+mn-ea"/>
+              <a:cs typeface="+mn-cs"/>
+            </a:endParaRPr>
+          </a:p>
+          <a:p>
+            <a:pPr lvl="2"/>
+            <a:r>
+              <a:rPr lang="en-US" sz="1200" b="1" kern="1200" dirty="0" smtClean="0">
+                <a:solidFill>
+                  <a:schemeClr val="tx1"/>
+                </a:solidFill>
+                <a:effectLst/>
+                <a:latin typeface="+mn-lt"/>
+                <a:ea typeface="+mn-ea"/>
+                <a:cs typeface="+mn-cs"/>
+              </a:rPr>
+              <a:t>The Cure</a:t>
+            </a:r>
+            <a:r>
+              <a:rPr lang="en-US" sz="1200" kern="1200" dirty="0" smtClean="0">
+                <a:solidFill>
+                  <a:schemeClr val="tx1"/>
+                </a:solidFill>
+                <a:effectLst/>
+                <a:latin typeface="+mn-lt"/>
+                <a:ea typeface="+mn-ea"/>
+                <a:cs typeface="+mn-cs"/>
+              </a:rPr>
+              <a:t> is displayed</a:t>
+            </a:r>
+          </a:p>
+          <a:p>
+            <a:pPr lvl="2"/>
+            <a:endParaRPr lang="en-US" sz="1200" kern="1200" dirty="0" smtClean="0">
+              <a:solidFill>
+                <a:schemeClr val="tx1"/>
+              </a:solidFill>
+              <a:effectLst/>
+              <a:latin typeface="+mn-lt"/>
+              <a:ea typeface="+mn-ea"/>
+              <a:cs typeface="+mn-cs"/>
+            </a:endParaRPr>
+          </a:p>
+          <a:p>
+            <a:endParaRPr lang="en-US" dirty="0"/>
+          </a:p>
+        </p:txBody>
+      </p:sp>
+      <p:sp>
+        <p:nvSpPr>
+          <p:cNvPr id="4" name="Slide Number Placeholder 3"/>
+          <p:cNvSpPr>
+            <a:spLocks noGrp="1"/>
+          </p:cNvSpPr>
+          <p:nvPr>
+            <p:ph type="sldNum" sz="quarter" idx="10"/>
+          </p:nvPr>
+        </p:nvSpPr>
+        <p:spPr/>
+        <p:txBody>
+          <a:bodyPr/>
+          <a:lstStyle/>
+          <a:p>
+            <a:fld id="{4CFD207A-07DF-40AD-A916-9872E089CE7A}" type="slidenum">
+              <a:rPr lang="en-US" smtClean="0"/>
+              <a:t>11</a:t>
+            </a:fld>
+            <a:endParaRPr lang="en-US"/>
+          </a:p>
+        </p:txBody>
+      </p:sp>
+    </p:spTree>
+    <p:extLst>
+      <p:ext uri="{BB962C8B-B14F-4D97-AF65-F5344CB8AC3E}">
+        <p14:creationId xmlns:p14="http://schemas.microsoft.com/office/powerpoint/2010/main" val="927215190"/>
+      </p:ext>
+    </p:extLst>
+  </p:cSld>
+  <p:clrMapOvr>
+    <a:masterClrMapping/>
+  </p:clrMapOvr>
+</p:notes>
+</file>
+
+<file path=ppt/notesSlides/notesSlide6.xml><?xml version="1.0" encoding="utf-8"?>
+<p:notes xmlns:a="http://schemas.openxmlformats.org/drawingml/2006/main" xmlns:r="http://schemas.openxmlformats.org/officeDocument/2006/relationships" xmlns:p="http://schemas.openxmlformats.org/presentationml/2006/main">
+  <p:cSld>
+    <p:spTree>
+      <p:nvGrpSpPr>
+        <p:cNvPr id="1" name=""/>
+        <p:cNvGrpSpPr/>
+        <p:nvPr/>
+      </p:nvGrpSpPr>
+      <p:grpSpPr>
+        <a:xfrm>
+          <a:off x="0" y="0"/>
+          <a:ext cx="0" cy="0"/>
+          <a:chOff x="0" y="0"/>
+          <a:chExt cx="0" cy="0"/>
+        </a:xfrm>
+      </p:grpSpPr>
+      <p:sp>
+        <p:nvSpPr>
+          <p:cNvPr id="2" name="Slide Image Placeholder 1"/>
+          <p:cNvSpPr>
+            <a:spLocks noGrp="1" noRot="1" noChangeAspect="1"/>
+          </p:cNvSpPr>
+          <p:nvPr>
+            <p:ph type="sldImg"/>
+          </p:nvPr>
+        </p:nvSpPr>
+        <p:spPr/>
+      </p:sp>
+      <p:sp>
+        <p:nvSpPr>
+          <p:cNvPr id="3" name="Notes Placeholder 2"/>
+          <p:cNvSpPr>
+            <a:spLocks noGrp="1"/>
+          </p:cNvSpPr>
+          <p:nvPr>
+            <p:ph type="body" idx="1"/>
+          </p:nvPr>
+        </p:nvSpPr>
+        <p:spPr/>
+        <p:txBody>
+          <a:bodyPr/>
+          <a:lstStyle/>
+          <a:p>
+            <a:pPr lvl="0"/>
+            <a:r>
+              <a:rPr lang="en-US" sz="1200" kern="1200" dirty="0" smtClean="0">
+                <a:solidFill>
+                  <a:schemeClr val="tx1"/>
+                </a:solidFill>
+                <a:effectLst/>
+                <a:latin typeface="+mn-lt"/>
+                <a:ea typeface="+mn-ea"/>
+                <a:cs typeface="+mn-cs"/>
+              </a:rPr>
+              <a:t>Load an artist by its name (only one returned)</a:t>
+            </a:r>
+          </a:p>
+          <a:p>
+            <a:pPr lvl="1"/>
+            <a:r>
+              <a:rPr lang="en-US" sz="1200" kern="1200" dirty="0" smtClean="0">
+                <a:solidFill>
+                  <a:schemeClr val="tx1"/>
+                </a:solidFill>
+                <a:effectLst/>
+                <a:latin typeface="+mn-lt"/>
+                <a:ea typeface="+mn-ea"/>
+                <a:cs typeface="+mn-cs"/>
+              </a:rPr>
+              <a:t>In the shell, type:</a:t>
+            </a:r>
+          </a:p>
+          <a:p>
+            <a:pPr lvl="1"/>
+            <a:r>
+              <a:rPr lang="en-US" sz="1200" b="1" kern="1200" dirty="0" err="1" smtClean="0">
+                <a:solidFill>
+                  <a:schemeClr val="tx1"/>
+                </a:solidFill>
+                <a:effectLst/>
+                <a:latin typeface="+mn-lt"/>
+                <a:ea typeface="+mn-ea"/>
+                <a:cs typeface="+mn-cs"/>
+              </a:rPr>
+              <a:t>nameArtist</a:t>
+            </a:r>
+            <a:r>
+              <a:rPr lang="en-US" sz="1200" b="1" kern="1200" dirty="0" smtClean="0">
+                <a:solidFill>
+                  <a:schemeClr val="tx1"/>
+                </a:solidFill>
+                <a:effectLst/>
+                <a:latin typeface="+mn-lt"/>
+                <a:ea typeface="+mn-ea"/>
+                <a:cs typeface="+mn-cs"/>
+              </a:rPr>
+              <a:t> = </a:t>
+            </a:r>
+            <a:r>
+              <a:rPr lang="en-US" sz="1200" b="1" kern="1200" dirty="0" err="1" smtClean="0">
+                <a:solidFill>
+                  <a:schemeClr val="tx1"/>
+                </a:solidFill>
+                <a:effectLst/>
+                <a:latin typeface="+mn-lt"/>
+                <a:ea typeface="+mn-ea"/>
+                <a:cs typeface="+mn-cs"/>
+              </a:rPr>
+              <a:t>Artist.objects.get</a:t>
+            </a:r>
+            <a:r>
+              <a:rPr lang="en-US" sz="1200" b="1" kern="1200" dirty="0" smtClean="0">
+                <a:solidFill>
+                  <a:schemeClr val="tx1"/>
+                </a:solidFill>
+                <a:effectLst/>
+                <a:latin typeface="+mn-lt"/>
+                <a:ea typeface="+mn-ea"/>
+                <a:cs typeface="+mn-cs"/>
+              </a:rPr>
+              <a:t>(name = 'The Cure')</a:t>
+            </a:r>
+            <a:endParaRPr lang="en-US" sz="1200" kern="1200" dirty="0" smtClean="0">
+              <a:solidFill>
+                <a:schemeClr val="tx1"/>
+              </a:solidFill>
+              <a:effectLst/>
+              <a:latin typeface="+mn-lt"/>
+              <a:ea typeface="+mn-ea"/>
+              <a:cs typeface="+mn-cs"/>
+            </a:endParaRPr>
+          </a:p>
+          <a:p>
+            <a:pPr lvl="1"/>
+            <a:r>
+              <a:rPr lang="en-US" sz="1200" b="1" kern="1200" dirty="0" smtClean="0">
+                <a:solidFill>
+                  <a:schemeClr val="tx1"/>
+                </a:solidFill>
+                <a:effectLst/>
+                <a:latin typeface="+mn-lt"/>
+                <a:ea typeface="+mn-ea"/>
+                <a:cs typeface="+mn-cs"/>
+              </a:rPr>
+              <a:t>nameArtist.name</a:t>
+            </a:r>
+            <a:endParaRPr lang="en-US" sz="1200" kern="1200" dirty="0" smtClean="0">
+              <a:solidFill>
+                <a:schemeClr val="tx1"/>
+              </a:solidFill>
+              <a:effectLst/>
+              <a:latin typeface="+mn-lt"/>
+              <a:ea typeface="+mn-ea"/>
+              <a:cs typeface="+mn-cs"/>
+            </a:endParaRPr>
+          </a:p>
+          <a:p>
+            <a:pPr lvl="2"/>
+            <a:r>
+              <a:rPr lang="en-US" sz="1200" b="1" kern="1200" dirty="0" smtClean="0">
+                <a:solidFill>
+                  <a:schemeClr val="tx1"/>
+                </a:solidFill>
+                <a:effectLst/>
+                <a:latin typeface="+mn-lt"/>
+                <a:ea typeface="+mn-ea"/>
+                <a:cs typeface="+mn-cs"/>
+              </a:rPr>
+              <a:t>The Cure</a:t>
+            </a:r>
+            <a:r>
+              <a:rPr lang="en-US" sz="1200" kern="1200" dirty="0" smtClean="0">
+                <a:solidFill>
+                  <a:schemeClr val="tx1"/>
+                </a:solidFill>
+                <a:effectLst/>
+                <a:latin typeface="+mn-lt"/>
+                <a:ea typeface="+mn-ea"/>
+                <a:cs typeface="+mn-cs"/>
+              </a:rPr>
+              <a:t> is displayed</a:t>
+            </a:r>
+          </a:p>
+          <a:p>
+            <a:pPr lvl="0"/>
+            <a:r>
+              <a:rPr lang="en-US" sz="1200" kern="1200" dirty="0" smtClean="0">
+                <a:solidFill>
+                  <a:schemeClr val="tx1"/>
+                </a:solidFill>
+                <a:effectLst/>
+                <a:latin typeface="+mn-lt"/>
+                <a:ea typeface="+mn-ea"/>
+                <a:cs typeface="+mn-cs"/>
+              </a:rPr>
+              <a:t>Query artists by year (a collection is returned)</a:t>
+            </a:r>
+          </a:p>
+          <a:p>
+            <a:pPr lvl="1"/>
+            <a:r>
+              <a:rPr lang="en-US" sz="1200" kern="1200" dirty="0" smtClean="0">
+                <a:solidFill>
+                  <a:schemeClr val="tx1"/>
+                </a:solidFill>
+                <a:effectLst/>
+                <a:latin typeface="+mn-lt"/>
+                <a:ea typeface="+mn-ea"/>
+                <a:cs typeface="+mn-cs"/>
+              </a:rPr>
+              <a:t>In the shell, type:</a:t>
+            </a:r>
+          </a:p>
+          <a:p>
+            <a:pPr lvl="1"/>
+            <a:r>
+              <a:rPr lang="en-US" sz="1200" b="1" kern="1200" dirty="0" err="1" smtClean="0">
+                <a:solidFill>
+                  <a:schemeClr val="tx1"/>
+                </a:solidFill>
+                <a:effectLst/>
+                <a:latin typeface="+mn-lt"/>
+                <a:ea typeface="+mn-ea"/>
+                <a:cs typeface="+mn-cs"/>
+              </a:rPr>
+              <a:t>queryArtists</a:t>
+            </a:r>
+            <a:r>
+              <a:rPr lang="en-US" sz="1200" b="1" kern="1200" dirty="0" smtClean="0">
+                <a:solidFill>
+                  <a:schemeClr val="tx1"/>
+                </a:solidFill>
+                <a:effectLst/>
+                <a:latin typeface="+mn-lt"/>
+                <a:ea typeface="+mn-ea"/>
+                <a:cs typeface="+mn-cs"/>
+              </a:rPr>
+              <a:t> = </a:t>
+            </a:r>
+            <a:r>
+              <a:rPr lang="en-US" sz="1200" b="1" kern="1200" dirty="0" err="1" smtClean="0">
+                <a:solidFill>
+                  <a:schemeClr val="tx1"/>
+                </a:solidFill>
+                <a:effectLst/>
+                <a:latin typeface="+mn-lt"/>
+                <a:ea typeface="+mn-ea"/>
+                <a:cs typeface="+mn-cs"/>
+              </a:rPr>
+              <a:t>Artist.objects.filter</a:t>
+            </a:r>
+            <a:r>
+              <a:rPr lang="en-US" sz="1200" b="1" kern="1200" dirty="0" smtClean="0">
+                <a:solidFill>
+                  <a:schemeClr val="tx1"/>
+                </a:solidFill>
+                <a:effectLst/>
+                <a:latin typeface="+mn-lt"/>
+                <a:ea typeface="+mn-ea"/>
+                <a:cs typeface="+mn-cs"/>
+              </a:rPr>
+              <a:t>(</a:t>
+            </a:r>
+            <a:r>
+              <a:rPr lang="en-US" sz="1200" b="1" kern="1200" dirty="0" err="1" smtClean="0">
+                <a:solidFill>
+                  <a:schemeClr val="tx1"/>
+                </a:solidFill>
+                <a:effectLst/>
+                <a:latin typeface="+mn-lt"/>
+                <a:ea typeface="+mn-ea"/>
+                <a:cs typeface="+mn-cs"/>
+              </a:rPr>
+              <a:t>year_formed</a:t>
+            </a:r>
+            <a:r>
+              <a:rPr lang="en-US" sz="1200" b="1" kern="1200" dirty="0" smtClean="0">
+                <a:solidFill>
+                  <a:schemeClr val="tx1"/>
+                </a:solidFill>
+                <a:effectLst/>
+                <a:latin typeface="+mn-lt"/>
+                <a:ea typeface="+mn-ea"/>
+                <a:cs typeface="+mn-cs"/>
+              </a:rPr>
+              <a:t> = 1978)</a:t>
+            </a:r>
+            <a:endParaRPr lang="en-US" sz="1200" kern="1200" dirty="0" smtClean="0">
+              <a:solidFill>
+                <a:schemeClr val="tx1"/>
+              </a:solidFill>
+              <a:effectLst/>
+              <a:latin typeface="+mn-lt"/>
+              <a:ea typeface="+mn-ea"/>
+              <a:cs typeface="+mn-cs"/>
+            </a:endParaRPr>
+          </a:p>
+          <a:p>
+            <a:pPr lvl="1"/>
+            <a:r>
+              <a:rPr lang="en-US" sz="1200" b="1" kern="1200" dirty="0" smtClean="0">
+                <a:solidFill>
+                  <a:schemeClr val="tx1"/>
+                </a:solidFill>
+                <a:effectLst/>
+                <a:latin typeface="+mn-lt"/>
+                <a:ea typeface="+mn-ea"/>
+                <a:cs typeface="+mn-cs"/>
+              </a:rPr>
+              <a:t>for artist in </a:t>
+            </a:r>
+            <a:r>
+              <a:rPr lang="en-US" sz="1200" b="1" kern="1200" dirty="0" err="1" smtClean="0">
+                <a:solidFill>
+                  <a:schemeClr val="tx1"/>
+                </a:solidFill>
+                <a:effectLst/>
+                <a:latin typeface="+mn-lt"/>
+                <a:ea typeface="+mn-ea"/>
+                <a:cs typeface="+mn-cs"/>
+              </a:rPr>
+              <a:t>queryArtists</a:t>
+            </a:r>
+            <a:r>
+              <a:rPr lang="en-US" sz="1200" b="1" kern="1200" dirty="0" smtClean="0">
+                <a:solidFill>
+                  <a:schemeClr val="tx1"/>
+                </a:solidFill>
+                <a:effectLst/>
+                <a:latin typeface="+mn-lt"/>
+                <a:ea typeface="+mn-ea"/>
+                <a:cs typeface="+mn-cs"/>
+              </a:rPr>
+              <a:t>:</a:t>
+            </a:r>
+            <a:endParaRPr lang="en-US" sz="1200" kern="1200" dirty="0" smtClean="0">
+              <a:solidFill>
+                <a:schemeClr val="tx1"/>
+              </a:solidFill>
+              <a:effectLst/>
+              <a:latin typeface="+mn-lt"/>
+              <a:ea typeface="+mn-ea"/>
+              <a:cs typeface="+mn-cs"/>
+            </a:endParaRPr>
+          </a:p>
+          <a:p>
+            <a:pPr lvl="1"/>
+            <a:r>
+              <a:rPr lang="en-US" sz="1200" b="1" kern="1200" dirty="0" smtClean="0">
+                <a:solidFill>
+                  <a:schemeClr val="tx1"/>
+                </a:solidFill>
+                <a:effectLst/>
+                <a:latin typeface="+mn-lt"/>
+                <a:ea typeface="+mn-ea"/>
+                <a:cs typeface="+mn-cs"/>
+              </a:rPr>
+              <a:t>print(artist.name)</a:t>
+            </a:r>
+            <a:endParaRPr lang="en-US" sz="1200" kern="1200" dirty="0" smtClean="0">
+              <a:solidFill>
+                <a:schemeClr val="tx1"/>
+              </a:solidFill>
+              <a:effectLst/>
+              <a:latin typeface="+mn-lt"/>
+              <a:ea typeface="+mn-ea"/>
+              <a:cs typeface="+mn-cs"/>
+            </a:endParaRPr>
+          </a:p>
+          <a:p>
+            <a:pPr lvl="2"/>
+            <a:r>
+              <a:rPr lang="en-US" sz="1200" b="1" kern="1200" dirty="0" smtClean="0">
+                <a:solidFill>
+                  <a:schemeClr val="tx1"/>
+                </a:solidFill>
+                <a:effectLst/>
+                <a:latin typeface="+mn-lt"/>
+                <a:ea typeface="+mn-ea"/>
+                <a:cs typeface="+mn-cs"/>
+              </a:rPr>
+              <a:t>The Cure</a:t>
+            </a:r>
+            <a:r>
+              <a:rPr lang="en-US" sz="1200" kern="1200" dirty="0" smtClean="0">
+                <a:solidFill>
+                  <a:schemeClr val="tx1"/>
+                </a:solidFill>
+                <a:effectLst/>
+                <a:latin typeface="+mn-lt"/>
+                <a:ea typeface="+mn-ea"/>
+                <a:cs typeface="+mn-cs"/>
+              </a:rPr>
+              <a:t> is displayed</a:t>
+            </a:r>
+          </a:p>
+          <a:p>
+            <a:endParaRPr lang="en-US" dirty="0"/>
+          </a:p>
+        </p:txBody>
+      </p:sp>
+      <p:sp>
+        <p:nvSpPr>
+          <p:cNvPr id="4" name="Slide Number Placeholder 3"/>
+          <p:cNvSpPr>
+            <a:spLocks noGrp="1"/>
+          </p:cNvSpPr>
+          <p:nvPr>
+            <p:ph type="sldNum" sz="quarter" idx="10"/>
+          </p:nvPr>
+        </p:nvSpPr>
+        <p:spPr/>
+        <p:txBody>
+          <a:bodyPr/>
+          <a:lstStyle/>
+          <a:p>
+            <a:fld id="{4CFD207A-07DF-40AD-A916-9872E089CE7A}" type="slidenum">
+              <a:rPr lang="en-US" smtClean="0"/>
+              <a:t>19</a:t>
+            </a:fld>
+            <a:endParaRPr lang="en-US"/>
+          </a:p>
+        </p:txBody>
+      </p:sp>
+    </p:spTree>
+    <p:extLst>
+      <p:ext uri="{BB962C8B-B14F-4D97-AF65-F5344CB8AC3E}">
+        <p14:creationId xmlns:p14="http://schemas.microsoft.com/office/powerpoint/2010/main" val="1992468744"/>
       </p:ext>
     </p:extLst>
   </p:cSld>
@@ -3713,8 +5577,12 @@
               <a:t>03 </a:t>
             </a:r>
             <a:r>
-              <a:rPr lang="en-US" dirty="0" smtClean="0"/>
-              <a:t>| Managing the database and making queries</a:t>
+              <a:rPr lang="en-US" smtClean="0"/>
+              <a:t>| </a:t>
+            </a:r>
+            <a:r>
+              <a:rPr lang="en-US" smtClean="0"/>
+              <a:t>Querying models</a:t>
             </a:r>
             <a:endParaRPr lang="en-US" dirty="0"/>
           </a:p>
@@ -3736,15 +5604,17 @@
           <a:lstStyle/>
           <a:p>
             <a:r>
-              <a:rPr lang="en-US" dirty="0"/>
-              <a:t>Jeffrey Snover | Distinguished Engineer &amp; Lead Architect</a:t>
-            </a:r>
-          </a:p>
-          <a:p>
-            <a:r>
-              <a:rPr lang="en-US" dirty="0"/>
-              <a:t>Jason Helmick | Senior Technologist, Concentrated Technology</a:t>
-            </a:r>
+              <a:rPr lang="en-US" dirty="0" smtClean="0"/>
+              <a:t>Susan Ibach | Senior Technical Evangelist</a:t>
+            </a:r>
+            <a:endParaRPr lang="en-US" dirty="0"/>
+          </a:p>
+          <a:p>
+            <a:r>
+              <a:rPr lang="en-US" dirty="0" smtClean="0"/>
+              <a:t>Christopher Harrison | Senior Content Developer</a:t>
+            </a:r>
+            <a:endParaRPr lang="en-US" dirty="0"/>
           </a:p>
         </p:txBody>
       </p:sp>
@@ -3787,250 +5657,6 @@
       </p:grpSpPr>
       <p:sp>
         <p:nvSpPr>
-          <p:cNvPr id="4" name="Text Placeholder 3"/>
-          <p:cNvSpPr>
-            <a:spLocks noGrp="1"/>
-          </p:cNvSpPr>
-          <p:nvPr>
-            <p:ph type="body" sz="quarter" idx="10"/>
-          </p:nvPr>
-        </p:nvSpPr>
-        <p:spPr/>
-        <p:txBody>
-          <a:bodyPr/>
-          <a:lstStyle/>
-          <a:p>
-            <a:r>
-              <a:rPr lang="en-US" dirty="0" smtClean="0"/>
-              <a:t>Creating and updating data</a:t>
-            </a:r>
-            <a:endParaRPr lang="en-US" dirty="0"/>
-          </a:p>
-        </p:txBody>
-      </p:sp>
-      <p:sp>
-        <p:nvSpPr>
-          <p:cNvPr id="3" name="Subtitle 2"/>
-          <p:cNvSpPr>
-            <a:spLocks noGrp="1"/>
-          </p:cNvSpPr>
-          <p:nvPr>
-            <p:ph type="subTitle" idx="1"/>
-          </p:nvPr>
-        </p:nvSpPr>
-        <p:spPr/>
-        <p:txBody>
-          <a:bodyPr/>
-          <a:lstStyle/>
-          <a:p>
-            <a:endParaRPr lang="en-US" dirty="0"/>
-          </a:p>
-        </p:txBody>
-      </p:sp>
-    </p:spTree>
-    <p:extLst>
-      <p:ext uri="{BB962C8B-B14F-4D97-AF65-F5344CB8AC3E}">
-        <p14:creationId xmlns:p14="http://schemas.microsoft.com/office/powerpoint/2010/main" val="3041626652"/>
-      </p:ext>
-    </p:extLst>
-  </p:cSld>
-  <p:clrMapOvr>
-    <a:masterClrMapping/>
-  </p:clrMapOvr>
-</p:sld>
-</file>
-
-<file path=ppt/slides/slide11.xml><?xml version="1.0" encoding="utf-8"?>
-<p:sld xmlns:a="http://schemas.openxmlformats.org/drawingml/2006/main" xmlns:r="http://schemas.openxmlformats.org/officeDocument/2006/relationships" xmlns:p="http://schemas.openxmlformats.org/presentationml/2006/main">
-  <p:cSld>
-    <p:spTree>
-      <p:nvGrpSpPr>
-        <p:cNvPr id="1" name=""/>
-        <p:cNvGrpSpPr/>
-        <p:nvPr/>
-      </p:nvGrpSpPr>
-      <p:grpSpPr>
-        <a:xfrm>
-          <a:off x="0" y="0"/>
-          <a:ext cx="0" cy="0"/>
-          <a:chOff x="0" y="0"/>
-          <a:chExt cx="0" cy="0"/>
-        </a:xfrm>
-      </p:grpSpPr>
-      <p:sp>
-        <p:nvSpPr>
-          <p:cNvPr id="4" name="Title 3"/>
-          <p:cNvSpPr>
-            <a:spLocks noGrp="1"/>
-          </p:cNvSpPr>
-          <p:nvPr>
-            <p:ph type="title"/>
-          </p:nvPr>
-        </p:nvSpPr>
-        <p:spPr/>
-        <p:txBody>
-          <a:bodyPr/>
-          <a:lstStyle/>
-          <a:p>
-            <a:r>
-              <a:rPr lang="en-US" dirty="0" smtClean="0"/>
-              <a:t>If you know how to create an object in Python…</a:t>
-            </a:r>
-            <a:endParaRPr lang="en-US" dirty="0"/>
-          </a:p>
-        </p:txBody>
-      </p:sp>
-      <p:sp>
-        <p:nvSpPr>
-          <p:cNvPr id="5" name="Content Placeholder 4"/>
-          <p:cNvSpPr>
-            <a:spLocks noGrp="1"/>
-          </p:cNvSpPr>
-          <p:nvPr>
-            <p:ph sz="quarter" idx="10"/>
-          </p:nvPr>
-        </p:nvSpPr>
-        <p:spPr/>
-        <p:txBody>
-          <a:bodyPr/>
-          <a:lstStyle/>
-          <a:p>
-            <a:r>
-              <a:rPr lang="en-US" dirty="0" smtClean="0"/>
-              <a:t>You already know how to create and save objects into the database using Django</a:t>
-            </a:r>
-          </a:p>
-          <a:p>
-            <a:endParaRPr lang="en-US" dirty="0"/>
-          </a:p>
-          <a:p>
-            <a:endParaRPr lang="en-US" dirty="0" smtClean="0"/>
-          </a:p>
-          <a:p>
-            <a:r>
-              <a:rPr lang="en-US" dirty="0" smtClean="0"/>
-              <a:t>The save method is added by inheriting from Model</a:t>
-            </a:r>
-            <a:endParaRPr lang="en-US" dirty="0"/>
-          </a:p>
-        </p:txBody>
-      </p:sp>
-      <p:sp>
-        <p:nvSpPr>
-          <p:cNvPr id="6" name="Rounded Rectangle 5"/>
-          <p:cNvSpPr/>
-          <p:nvPr/>
-        </p:nvSpPr>
-        <p:spPr>
-          <a:xfrm>
-            <a:off x="1292352" y="2596896"/>
-            <a:ext cx="8985504" cy="1011936"/>
-          </a:xfrm>
-          <a:prstGeom prst="roundRect">
-            <a:avLst/>
-          </a:prstGeom>
-        </p:spPr>
-        <p:style>
-          <a:lnRef idx="1">
-            <a:schemeClr val="accent3"/>
-          </a:lnRef>
-          <a:fillRef idx="2">
-            <a:schemeClr val="accent3"/>
-          </a:fillRef>
-          <a:effectRef idx="1">
-            <a:schemeClr val="accent3"/>
-          </a:effectRef>
-          <a:fontRef idx="minor">
-            <a:schemeClr val="dk1"/>
-          </a:fontRef>
-        </p:style>
-        <p:txBody>
-          <a:bodyPr rtlCol="0" anchor="ctr"/>
-          <a:lstStyle/>
-          <a:p>
-            <a:r>
-              <a:rPr lang="en-US" sz="2000" dirty="0" err="1" smtClean="0">
-                <a:latin typeface="Consolas" panose="020B0609020204030204" pitchFamily="49" charset="0"/>
-                <a:cs typeface="Consolas" panose="020B0609020204030204" pitchFamily="49" charset="0"/>
-              </a:rPr>
-              <a:t>newArtist</a:t>
-            </a:r>
-            <a:r>
-              <a:rPr lang="en-US" sz="2000" dirty="0" smtClean="0">
-                <a:latin typeface="Consolas" panose="020B0609020204030204" pitchFamily="49" charset="0"/>
-                <a:cs typeface="Consolas" panose="020B0609020204030204" pitchFamily="49" charset="0"/>
-              </a:rPr>
-              <a:t> = Artist(name = 'Artist Name', </a:t>
-            </a:r>
-            <a:r>
-              <a:rPr lang="en-US" sz="2000" dirty="0" err="1" smtClean="0">
-                <a:latin typeface="Consolas" panose="020B0609020204030204" pitchFamily="49" charset="0"/>
-                <a:cs typeface="Consolas" panose="020B0609020204030204" pitchFamily="49" charset="0"/>
-              </a:rPr>
-              <a:t>year_formed</a:t>
-            </a:r>
-            <a:r>
-              <a:rPr lang="en-US" sz="2000" dirty="0" smtClean="0">
-                <a:latin typeface="Consolas" panose="020B0609020204030204" pitchFamily="49" charset="0"/>
-                <a:cs typeface="Consolas" panose="020B0609020204030204" pitchFamily="49" charset="0"/>
-              </a:rPr>
-              <a:t> = 2015);</a:t>
-            </a:r>
-          </a:p>
-          <a:p>
-            <a:r>
-              <a:rPr lang="en-US" sz="2000" dirty="0" err="1" smtClean="0">
-                <a:latin typeface="Consolas" panose="020B0609020204030204" pitchFamily="49" charset="0"/>
-                <a:cs typeface="Consolas" panose="020B0609020204030204" pitchFamily="49" charset="0"/>
-              </a:rPr>
-              <a:t>newArtist.save</a:t>
-            </a:r>
-            <a:r>
-              <a:rPr lang="en-US" sz="2000" dirty="0" smtClean="0">
-                <a:latin typeface="Consolas" panose="020B0609020204030204" pitchFamily="49" charset="0"/>
-                <a:cs typeface="Consolas" panose="020B0609020204030204" pitchFamily="49" charset="0"/>
-              </a:rPr>
-              <a:t>();</a:t>
-            </a:r>
-            <a:endParaRPr lang="en-US" sz="2000" dirty="0">
-              <a:latin typeface="Consolas" panose="020B0609020204030204" pitchFamily="49" charset="0"/>
-              <a:cs typeface="Consolas" panose="020B0609020204030204" pitchFamily="49" charset="0"/>
-            </a:endParaRPr>
-          </a:p>
-        </p:txBody>
-      </p:sp>
-    </p:spTree>
-    <p:extLst>
-      <p:ext uri="{BB962C8B-B14F-4D97-AF65-F5344CB8AC3E}">
-        <p14:creationId xmlns:p14="http://schemas.microsoft.com/office/powerpoint/2010/main" val="570307886"/>
-      </p:ext>
-    </p:extLst>
-  </p:cSld>
-  <p:clrMapOvr>
-    <a:masterClrMapping/>
-  </p:clrMapOvr>
-</p:sld>
-</file>
-
-<file path=ppt/slides/slide12.xml><?xml version="1.0" encoding="utf-8"?>
-<p:sld xmlns:a="http://schemas.openxmlformats.org/drawingml/2006/main" xmlns:r="http://schemas.openxmlformats.org/officeDocument/2006/relationships" xmlns:p="http://schemas.openxmlformats.org/presentationml/2006/main">
-  <p:cSld>
-    <p:spTree>
-      <p:nvGrpSpPr>
-        <p:cNvPr id="1" name=""/>
-        <p:cNvGrpSpPr/>
-        <p:nvPr/>
-      </p:nvGrpSpPr>
-      <p:grpSpPr>
-        <a:xfrm>
-          <a:off x="0" y="0"/>
-          <a:ext cx="0" cy="0"/>
-          <a:chOff x="0" y="0"/>
-          <a:chExt cx="0" cy="0"/>
-        </a:xfrm>
-      </p:grpSpPr>
-      <p:sp>
-        <p:nvSpPr>
           <p:cNvPr id="2" name="Title 1"/>
           <p:cNvSpPr>
             <a:spLocks noGrp="1"/>
@@ -4041,421 +5667,19 @@
         </p:nvSpPr>
         <p:spPr/>
         <p:txBody>
-          <a:bodyPr>
-            <a:normAutofit fontScale="90000"/>
-          </a:bodyPr>
-          <a:lstStyle/>
-          <a:p>
-            <a:r>
-              <a:rPr lang="en-US" dirty="0" smtClean="0"/>
-              <a:t>And if you know how to modify objects in Python…</a:t>
-            </a:r>
-            <a:endParaRPr lang="en-US" dirty="0"/>
-          </a:p>
-        </p:txBody>
-      </p:sp>
-      <p:sp>
-        <p:nvSpPr>
-          <p:cNvPr id="3" name="Content Placeholder 2"/>
-          <p:cNvSpPr>
-            <a:spLocks noGrp="1"/>
-          </p:cNvSpPr>
-          <p:nvPr>
-            <p:ph sz="quarter" idx="10"/>
-          </p:nvPr>
-        </p:nvSpPr>
-        <p:spPr/>
-        <p:txBody>
           <a:bodyPr/>
           <a:lstStyle/>
           <a:p>
             <a:r>
               <a:rPr lang="en-US" dirty="0" smtClean="0"/>
-              <a:t>You know how to update the object in the database</a:t>
-            </a:r>
-          </a:p>
-          <a:p>
-            <a:r>
-              <a:rPr lang="en-US" dirty="0" smtClean="0"/>
-              <a:t>The Python ORM automatically tracks changes to the object</a:t>
-            </a:r>
-          </a:p>
-          <a:p>
-            <a:r>
-              <a:rPr lang="en-US" dirty="0" smtClean="0"/>
-              <a:t>All you need to do is update the object, and call save()</a:t>
+              <a:t>Basic queries</a:t>
             </a:r>
             <a:endParaRPr lang="en-US" dirty="0"/>
           </a:p>
         </p:txBody>
       </p:sp>
-      <p:sp>
-        <p:nvSpPr>
-          <p:cNvPr id="4" name="Rounded Rectangle 3"/>
-          <p:cNvSpPr/>
-          <p:nvPr/>
-        </p:nvSpPr>
-        <p:spPr>
-          <a:xfrm>
-            <a:off x="3267456" y="3901440"/>
-            <a:ext cx="4986528" cy="1011936"/>
-          </a:xfrm>
-          <a:prstGeom prst="roundRect">
-            <a:avLst/>
-          </a:prstGeom>
-        </p:spPr>
-        <p:style>
-          <a:lnRef idx="1">
-            <a:schemeClr val="accent3"/>
-          </a:lnRef>
-          <a:fillRef idx="2">
-            <a:schemeClr val="accent3"/>
-          </a:fillRef>
-          <a:effectRef idx="1">
-            <a:schemeClr val="accent3"/>
-          </a:effectRef>
-          <a:fontRef idx="minor">
-            <a:schemeClr val="dk1"/>
-          </a:fontRef>
-        </p:style>
-        <p:txBody>
-          <a:bodyPr rtlCol="0" anchor="ctr"/>
-          <a:lstStyle/>
-          <a:p>
-            <a:r>
-              <a:rPr lang="en-US" sz="2000" dirty="0" smtClean="0">
-                <a:latin typeface="Consolas" panose="020B0609020204030204" pitchFamily="49" charset="0"/>
-                <a:cs typeface="Consolas" panose="020B0609020204030204" pitchFamily="49" charset="0"/>
-              </a:rPr>
-              <a:t>newArtist.name = 'Updated Name';</a:t>
-            </a:r>
-          </a:p>
-          <a:p>
-            <a:r>
-              <a:rPr lang="en-US" sz="2000" dirty="0" err="1" smtClean="0">
-                <a:latin typeface="Consolas" panose="020B0609020204030204" pitchFamily="49" charset="0"/>
-                <a:cs typeface="Consolas" panose="020B0609020204030204" pitchFamily="49" charset="0"/>
-              </a:rPr>
-              <a:t>newArtist.save</a:t>
-            </a:r>
-            <a:r>
-              <a:rPr lang="en-US" sz="2000" dirty="0" smtClean="0">
-                <a:latin typeface="Consolas" panose="020B0609020204030204" pitchFamily="49" charset="0"/>
-                <a:cs typeface="Consolas" panose="020B0609020204030204" pitchFamily="49" charset="0"/>
-              </a:rPr>
-              <a:t>();</a:t>
-            </a:r>
-            <a:endParaRPr lang="en-US" sz="2000" dirty="0">
-              <a:latin typeface="Consolas" panose="020B0609020204030204" pitchFamily="49" charset="0"/>
-              <a:cs typeface="Consolas" panose="020B0609020204030204" pitchFamily="49" charset="0"/>
-            </a:endParaRPr>
-          </a:p>
-        </p:txBody>
-      </p:sp>
-    </p:spTree>
-    <p:extLst>
-      <p:ext uri="{BB962C8B-B14F-4D97-AF65-F5344CB8AC3E}">
-        <p14:creationId xmlns:p14="http://schemas.microsoft.com/office/powerpoint/2010/main" val="2167288264"/>
-      </p:ext>
-    </p:extLst>
-  </p:cSld>
-  <p:clrMapOvr>
-    <a:masterClrMapping/>
-  </p:clrMapOvr>
-</p:sld>
-</file>
-
-<file path=ppt/slides/slide13.xml><?xml version="1.0" encoding="utf-8"?>
-<p:sld xmlns:a="http://schemas.openxmlformats.org/drawingml/2006/main" xmlns:r="http://schemas.openxmlformats.org/officeDocument/2006/relationships" xmlns:p="http://schemas.openxmlformats.org/presentationml/2006/main">
-  <p:cSld>
-    <p:spTree>
-      <p:nvGrpSpPr>
-        <p:cNvPr id="1" name=""/>
-        <p:cNvGrpSpPr/>
-        <p:nvPr/>
-      </p:nvGrpSpPr>
-      <p:grpSpPr>
-        <a:xfrm>
-          <a:off x="0" y="0"/>
-          <a:ext cx="0" cy="0"/>
-          <a:chOff x="0" y="0"/>
-          <a:chExt cx="0" cy="0"/>
-        </a:xfrm>
-      </p:grpSpPr>
-      <p:sp>
-        <p:nvSpPr>
-          <p:cNvPr id="4" name="Title 3"/>
-          <p:cNvSpPr>
-            <a:spLocks noGrp="1"/>
-          </p:cNvSpPr>
-          <p:nvPr>
-            <p:ph type="title"/>
-          </p:nvPr>
-        </p:nvSpPr>
-        <p:spPr/>
-        <p:txBody>
-          <a:bodyPr/>
-          <a:lstStyle/>
-          <a:p>
-            <a:r>
-              <a:rPr lang="en-US" dirty="0" smtClean="0"/>
-              <a:t>Creating and saving objects using Django ORM</a:t>
-            </a:r>
-            <a:endParaRPr lang="en-US" dirty="0"/>
-          </a:p>
-        </p:txBody>
-      </p:sp>
-    </p:spTree>
-    <p:extLst>
-      <p:ext uri="{BB962C8B-B14F-4D97-AF65-F5344CB8AC3E}">
-        <p14:creationId xmlns:p14="http://schemas.microsoft.com/office/powerpoint/2010/main" val="1240454402"/>
-      </p:ext>
-    </p:extLst>
-  </p:cSld>
-  <p:clrMapOvr>
-    <a:masterClrMapping/>
-  </p:clrMapOvr>
-</p:sld>
-</file>
-
-<file path=ppt/slides/slide14.xml><?xml version="1.0" encoding="utf-8"?>
-<p:sld xmlns:a="http://schemas.openxmlformats.org/drawingml/2006/main" xmlns:r="http://schemas.openxmlformats.org/officeDocument/2006/relationships" xmlns:p="http://schemas.openxmlformats.org/presentationml/2006/main">
-  <p:cSld>
-    <p:spTree>
-      <p:nvGrpSpPr>
-        <p:cNvPr id="1" name=""/>
-        <p:cNvGrpSpPr/>
-        <p:nvPr/>
-      </p:nvGrpSpPr>
-      <p:grpSpPr>
-        <a:xfrm>
-          <a:off x="0" y="0"/>
-          <a:ext cx="0" cy="0"/>
-          <a:chOff x="0" y="0"/>
-          <a:chExt cx="0" cy="0"/>
-        </a:xfrm>
-      </p:grpSpPr>
-      <p:sp>
-        <p:nvSpPr>
-          <p:cNvPr id="4" name="Text Placeholder 3"/>
-          <p:cNvSpPr>
-            <a:spLocks noGrp="1"/>
-          </p:cNvSpPr>
-          <p:nvPr>
-            <p:ph type="body" sz="quarter" idx="10"/>
-          </p:nvPr>
-        </p:nvSpPr>
-        <p:spPr/>
-        <p:txBody>
-          <a:bodyPr/>
-          <a:lstStyle/>
-          <a:p>
-            <a:r>
-              <a:rPr lang="en-US" dirty="0" smtClean="0"/>
-              <a:t>Querying data</a:t>
-            </a:r>
-            <a:endParaRPr lang="en-US" dirty="0"/>
-          </a:p>
-        </p:txBody>
-      </p:sp>
-      <p:sp>
-        <p:nvSpPr>
-          <p:cNvPr id="3" name="Subtitle 2"/>
-          <p:cNvSpPr>
-            <a:spLocks noGrp="1"/>
-          </p:cNvSpPr>
-          <p:nvPr>
-            <p:ph type="subTitle" idx="1"/>
-          </p:nvPr>
-        </p:nvSpPr>
-        <p:spPr/>
-        <p:txBody>
-          <a:bodyPr/>
-          <a:lstStyle/>
-          <a:p>
-            <a:endParaRPr lang="en-US" dirty="0"/>
-          </a:p>
-        </p:txBody>
-      </p:sp>
-    </p:spTree>
-    <p:extLst>
-      <p:ext uri="{BB962C8B-B14F-4D97-AF65-F5344CB8AC3E}">
-        <p14:creationId xmlns:p14="http://schemas.microsoft.com/office/powerpoint/2010/main" val="1009997631"/>
-      </p:ext>
-    </p:extLst>
-  </p:cSld>
-  <p:clrMapOvr>
-    <a:masterClrMapping/>
-  </p:clrMapOvr>
-</p:sld>
-</file>
-
-<file path=ppt/slides/slide15.xml><?xml version="1.0" encoding="utf-8"?>
-<p:sld xmlns:a="http://schemas.openxmlformats.org/drawingml/2006/main" xmlns:r="http://schemas.openxmlformats.org/officeDocument/2006/relationships" xmlns:p="http://schemas.openxmlformats.org/presentationml/2006/main">
-  <p:cSld>
-    <p:spTree>
-      <p:nvGrpSpPr>
-        <p:cNvPr id="1" name=""/>
-        <p:cNvGrpSpPr/>
-        <p:nvPr/>
-      </p:nvGrpSpPr>
-      <p:grpSpPr>
-        <a:xfrm>
-          <a:off x="0" y="0"/>
-          <a:ext cx="0" cy="0"/>
-          <a:chOff x="0" y="0"/>
-          <a:chExt cx="0" cy="0"/>
-        </a:xfrm>
-      </p:grpSpPr>
-      <p:sp>
-        <p:nvSpPr>
-          <p:cNvPr id="4" name="Title 3"/>
-          <p:cNvSpPr>
-            <a:spLocks noGrp="1"/>
-          </p:cNvSpPr>
-          <p:nvPr>
-            <p:ph type="title"/>
-          </p:nvPr>
-        </p:nvSpPr>
-        <p:spPr/>
-        <p:txBody>
-          <a:bodyPr/>
-          <a:lstStyle/>
-          <a:p>
-            <a:r>
-              <a:rPr lang="en-US" dirty="0" smtClean="0"/>
-              <a:t>Django has great support for querying data</a:t>
-            </a:r>
-            <a:endParaRPr lang="en-US" dirty="0"/>
-          </a:p>
-        </p:txBody>
-      </p:sp>
-      <p:sp>
-        <p:nvSpPr>
-          <p:cNvPr id="5" name="Content Placeholder 4"/>
-          <p:cNvSpPr>
-            <a:spLocks noGrp="1"/>
-          </p:cNvSpPr>
-          <p:nvPr>
-            <p:ph sz="quarter" idx="10"/>
-          </p:nvPr>
-        </p:nvSpPr>
-        <p:spPr/>
-        <p:txBody>
-          <a:bodyPr/>
-          <a:lstStyle/>
-          <a:p>
-            <a:r>
-              <a:rPr lang="en-US" dirty="0" smtClean="0"/>
-              <a:t>Basically, however you need to go get the data there's a way to write the query using Django ORM</a:t>
-            </a:r>
-          </a:p>
-          <a:p>
-            <a:r>
-              <a:rPr lang="en-US" dirty="0" smtClean="0"/>
-              <a:t>Queries are created by using the </a:t>
-            </a:r>
-            <a:r>
-              <a:rPr lang="en-US" b="1" dirty="0" smtClean="0">
-                <a:latin typeface="Consolas" panose="020B0609020204030204" pitchFamily="49" charset="0"/>
-                <a:cs typeface="Consolas" panose="020B0609020204030204" pitchFamily="49" charset="0"/>
-              </a:rPr>
-              <a:t>objects</a:t>
-            </a:r>
-            <a:r>
-              <a:rPr lang="en-US" dirty="0" smtClean="0"/>
-              <a:t> collection</a:t>
-            </a:r>
-          </a:p>
-          <a:p>
-            <a:pPr lvl="1"/>
-            <a:r>
-              <a:rPr lang="en-US" b="1" dirty="0" smtClean="0">
-                <a:latin typeface="Consolas" panose="020B0609020204030204" pitchFamily="49" charset="0"/>
-                <a:cs typeface="Consolas" panose="020B0609020204030204" pitchFamily="49" charset="0"/>
-              </a:rPr>
-              <a:t>objects</a:t>
-            </a:r>
-            <a:r>
-              <a:rPr lang="en-US" dirty="0" smtClean="0">
-                <a:latin typeface="Consolas" panose="020B0609020204030204" pitchFamily="49" charset="0"/>
-                <a:cs typeface="Consolas" panose="020B0609020204030204" pitchFamily="49" charset="0"/>
-              </a:rPr>
-              <a:t> </a:t>
-            </a:r>
-            <a:r>
-              <a:rPr lang="en-US" dirty="0" smtClean="0"/>
-              <a:t>is added to each class that inherits from </a:t>
-            </a:r>
-            <a:r>
-              <a:rPr lang="en-US" b="1" dirty="0" smtClean="0">
-                <a:latin typeface="Consolas" panose="020B0609020204030204" pitchFamily="49" charset="0"/>
-                <a:cs typeface="Consolas" panose="020B0609020204030204" pitchFamily="49" charset="0"/>
-              </a:rPr>
-              <a:t>Model</a:t>
-            </a:r>
-            <a:endParaRPr lang="en-US" b="1" dirty="0">
-              <a:latin typeface="Consolas" panose="020B0609020204030204" pitchFamily="49" charset="0"/>
-              <a:cs typeface="Consolas" panose="020B0609020204030204" pitchFamily="49" charset="0"/>
-            </a:endParaRPr>
-          </a:p>
-        </p:txBody>
-      </p:sp>
-    </p:spTree>
-    <p:extLst>
-      <p:ext uri="{BB962C8B-B14F-4D97-AF65-F5344CB8AC3E}">
-        <p14:creationId xmlns:p14="http://schemas.microsoft.com/office/powerpoint/2010/main" val="176934602"/>
-      </p:ext>
-    </p:extLst>
-  </p:cSld>
-  <p:clrMapOvr>
-    <a:masterClrMapping/>
-  </p:clrMapOvr>
-</p:sld>
-</file>
-
-<file path=ppt/slides/slide16.xml><?xml version="1.0" encoding="utf-8"?>
-<p:sld xmlns:a="http://schemas.openxmlformats.org/drawingml/2006/main" xmlns:r="http://schemas.openxmlformats.org/officeDocument/2006/relationships" xmlns:p="http://schemas.openxmlformats.org/presentationml/2006/main">
-  <p:cSld>
-    <p:spTree>
-      <p:nvGrpSpPr>
-        <p:cNvPr id="1" name=""/>
-        <p:cNvGrpSpPr/>
-        <p:nvPr/>
-      </p:nvGrpSpPr>
-      <p:grpSpPr>
-        <a:xfrm>
-          <a:off x="0" y="0"/>
-          <a:ext cx="0" cy="0"/>
-          <a:chOff x="0" y="0"/>
-          <a:chExt cx="0" cy="0"/>
-        </a:xfrm>
-      </p:grpSpPr>
-      <p:sp>
-        <p:nvSpPr>
-          <p:cNvPr id="2" name="Title 1"/>
-          <p:cNvSpPr>
-            <a:spLocks noGrp="1"/>
-          </p:cNvSpPr>
-          <p:nvPr>
-            <p:ph type="title"/>
-          </p:nvPr>
-        </p:nvSpPr>
-        <p:spPr/>
-        <p:txBody>
-          <a:bodyPr/>
-          <a:lstStyle/>
-          <a:p>
-            <a:r>
-              <a:rPr lang="en-US" dirty="0" smtClean="0"/>
-              <a:t>Basic queries</a:t>
-            </a:r>
-            <a:endParaRPr lang="en-US" dirty="0"/>
-          </a:p>
-        </p:txBody>
-      </p:sp>
-      <mc:AlternateContent xmlns:mc="http://schemas.openxmlformats.org/markup-compatibility/2006">
-        <mc:Choice xmlns:we="http://schemas.microsoft.com/office/webextensions/webextension/2010/11" xmlns:pca="http://schemas.microsoft.com/office/powerpoint/2013/contentapp" Requires="we pca">
+      <mc:AlternateContent xmlns:mc="http://schemas.openxmlformats.org/markup-compatibility/2006" xmlns:we="http://schemas.microsoft.com/office/webextensions/webextension/2010/11" xmlns:pca="http://schemas.microsoft.com/office/powerpoint/2013/contentapp">
+        <mc:Choice Requires="we pca">
           <p:graphicFrame>
             <p:nvGraphicFramePr>
               <p:cNvPr id="5" name="App 4"/>
@@ -4481,7 +5705,7 @@
             </a:graphic>
           </p:graphicFrame>
         </mc:Choice>
-        <mc:Fallback>
+        <mc:Fallback xmlns="">
           <p:pic>
             <p:nvPicPr>
               <p:cNvPr id="5" name="App 4"/>
@@ -4518,10 +5742,17 @@
   <p:clrMapOvr>
     <a:masterClrMapping/>
   </p:clrMapOvr>
+  <p:timing>
+    <p:tnLst>
+      <p:par>
+        <p:cTn id="1" dur="indefinite" restart="never" nodeType="tmRoot"/>
+      </p:par>
+    </p:tnLst>
+  </p:timing>
 </p:sld>
 </file>
 
-<file path=ppt/slides/slide17.xml><?xml version="1.0" encoding="utf-8"?>
+<file path=ppt/slides/slide11.xml><?xml version="1.0" encoding="utf-8"?>
 <p:sld xmlns:a="http://schemas.openxmlformats.org/drawingml/2006/main" xmlns:r="http://schemas.openxmlformats.org/officeDocument/2006/relationships" xmlns:p="http://schemas.openxmlformats.org/presentationml/2006/main">
   <p:cSld>
     <p:spTree>
@@ -4571,10 +5802,17 @@
   <p:clrMapOvr>
     <a:masterClrMapping/>
   </p:clrMapOvr>
+  <p:timing>
+    <p:tnLst>
+      <p:par>
+        <p:cTn id="1" dur="indefinite" restart="never" nodeType="tmRoot"/>
+      </p:par>
+    </p:tnLst>
+  </p:timing>
 </p:sld>
 </file>
 
-<file path=ppt/slides/slide18.xml><?xml version="1.0" encoding="utf-8"?>
+<file path=ppt/slides/slide12.xml><?xml version="1.0" encoding="utf-8"?>
 <p:sld xmlns:a="http://schemas.openxmlformats.org/drawingml/2006/main" xmlns:r="http://schemas.openxmlformats.org/officeDocument/2006/relationships" xmlns:p="http://schemas.openxmlformats.org/presentationml/2006/main">
   <p:cSld>
     <p:spTree>
@@ -4593,6 +5831,85 @@
       </p:grpSpPr>
       <p:sp>
         <p:nvSpPr>
+          <p:cNvPr id="4" name="Text Placeholder 3"/>
+          <p:cNvSpPr>
+            <a:spLocks noGrp="1"/>
+          </p:cNvSpPr>
+          <p:nvPr>
+            <p:ph type="body" sz="quarter" idx="10"/>
+          </p:nvPr>
+        </p:nvSpPr>
+        <p:spPr/>
+        <p:txBody>
+          <a:bodyPr/>
+          <a:lstStyle/>
+          <a:p>
+            <a:r>
+              <a:rPr lang="en-US" dirty="0" smtClean="0"/>
+              <a:t>Custom Queries</a:t>
+            </a:r>
+            <a:endParaRPr lang="en-US" dirty="0"/>
+          </a:p>
+        </p:txBody>
+      </p:sp>
+      <p:sp>
+        <p:nvSpPr>
+          <p:cNvPr id="3" name="Subtitle 2"/>
+          <p:cNvSpPr>
+            <a:spLocks noGrp="1"/>
+          </p:cNvSpPr>
+          <p:nvPr>
+            <p:ph type="subTitle" idx="1"/>
+          </p:nvPr>
+        </p:nvSpPr>
+        <p:spPr/>
+        <p:txBody>
+          <a:bodyPr/>
+          <a:lstStyle/>
+          <a:p>
+            <a:endParaRPr lang="en-US" dirty="0"/>
+          </a:p>
+        </p:txBody>
+      </p:sp>
+    </p:spTree>
+    <p:extLst>
+      <p:ext uri="{BB962C8B-B14F-4D97-AF65-F5344CB8AC3E}">
+        <p14:creationId xmlns:p14="http://schemas.microsoft.com/office/powerpoint/2010/main" val="593990652"/>
+      </p:ext>
+    </p:extLst>
+  </p:cSld>
+  <p:clrMapOvr>
+    <a:masterClrMapping/>
+  </p:clrMapOvr>
+  <p:timing>
+    <p:tnLst>
+      <p:par>
+        <p:cTn id="1" dur="indefinite" restart="never" nodeType="tmRoot"/>
+      </p:par>
+    </p:tnLst>
+  </p:timing>
+</p:sld>
+</file>
+
+<file path=ppt/slides/slide13.xml><?xml version="1.0" encoding="utf-8"?>
+<p:sld xmlns:a="http://schemas.openxmlformats.org/drawingml/2006/main" xmlns:r="http://schemas.openxmlformats.org/officeDocument/2006/relationships" xmlns:p="http://schemas.openxmlformats.org/presentationml/2006/main">
+  <p:cSld>
+    <p:spTree>
+      <p:nvGrpSpPr>
+        <p:cNvPr id="1" name=""/>
+        <p:cNvGrpSpPr/>
+        <p:nvPr/>
+      </p:nvGrpSpPr>
+      <p:grpSpPr>
+        <a:xfrm>
+          <a:off x="0" y="0"/>
+          <a:ext cx="0" cy="0"/>
+          <a:chOff x="0" y="0"/>
+          <a:chExt cx="0" cy="0"/>
+        </a:xfrm>
+      </p:grpSpPr>
+      <p:sp>
+        <p:nvSpPr>
           <p:cNvPr id="2" name="Title 1"/>
           <p:cNvSpPr>
             <a:spLocks noGrp="1"/>
@@ -4701,10 +6018,17 @@
   <p:clrMapOvr>
     <a:masterClrMapping/>
   </p:clrMapOvr>
+  <p:timing>
+    <p:tnLst>
+      <p:par>
+        <p:cTn id="1" dur="indefinite" restart="never" nodeType="tmRoot"/>
+      </p:par>
+    </p:tnLst>
+  </p:timing>
 </p:sld>
 </file>
 
-<file path=ppt/slides/slide19.xml><?xml version="1.0" encoding="utf-8"?>
+<file path=ppt/slides/slide14.xml><?xml version="1.0" encoding="utf-8"?>
 <p:sld xmlns:a="http://schemas.openxmlformats.org/drawingml/2006/main" xmlns:r="http://schemas.openxmlformats.org/officeDocument/2006/relationships" xmlns:p="http://schemas.openxmlformats.org/presentationml/2006/main">
   <p:cSld>
     <p:spTree>
@@ -4868,96 +6192,6 @@
   <p:clrMapOvr>
     <a:masterClrMapping/>
   </p:clrMapOvr>
-</p:sld>
-</file>
-
-<file path=ppt/slides/slide2.xml><?xml version="1.0" encoding="utf-8"?>
-<p:sld xmlns:a="http://schemas.openxmlformats.org/drawingml/2006/main" xmlns:r="http://schemas.openxmlformats.org/officeDocument/2006/relationships" xmlns:p="http://schemas.openxmlformats.org/presentationml/2006/main">
-  <p:cSld>
-    <p:spTree>
-      <p:nvGrpSpPr>
-        <p:cNvPr id="1" name=""/>
-        <p:cNvGrpSpPr/>
-        <p:nvPr/>
-      </p:nvGrpSpPr>
-      <p:grpSpPr>
-        <a:xfrm>
-          <a:off x="0" y="0"/>
-          <a:ext cx="0" cy="0"/>
-          <a:chOff x="0" y="0"/>
-          <a:chExt cx="0" cy="0"/>
-        </a:xfrm>
-      </p:grpSpPr>
-      <p:sp>
-        <p:nvSpPr>
-          <p:cNvPr id="7" name="Content Placeholder 6"/>
-          <p:cNvSpPr>
-            <a:spLocks noGrp="1"/>
-          </p:cNvSpPr>
-          <p:nvPr>
-            <p:ph sz="quarter" idx="10"/>
-          </p:nvPr>
-        </p:nvSpPr>
-        <p:spPr/>
-        <p:txBody>
-          <a:bodyPr>
-            <a:normAutofit/>
-          </a:bodyPr>
-          <a:lstStyle/>
-          <a:p>
-            <a:r>
-              <a:rPr lang="en-GB" dirty="0" smtClean="0"/>
-              <a:t>Getting the database ready</a:t>
-            </a:r>
-          </a:p>
-          <a:p>
-            <a:r>
-              <a:rPr lang="en-GB" dirty="0" smtClean="0"/>
-              <a:t>Creating and updating data</a:t>
-            </a:r>
-          </a:p>
-          <a:p>
-            <a:r>
-              <a:rPr lang="en-GB" dirty="0" smtClean="0"/>
-              <a:t>Querying data</a:t>
-            </a:r>
-            <a:endParaRPr lang="en-GB" dirty="0"/>
-          </a:p>
-        </p:txBody>
-      </p:sp>
-      <p:sp>
-        <p:nvSpPr>
-          <p:cNvPr id="2" name="Title 1"/>
-          <p:cNvSpPr>
-            <a:spLocks noGrp="1"/>
-          </p:cNvSpPr>
-          <p:nvPr>
-            <p:ph type="title"/>
-          </p:nvPr>
-        </p:nvSpPr>
-        <p:spPr/>
-        <p:txBody>
-          <a:bodyPr/>
-          <a:lstStyle/>
-          <a:p>
-            <a:r>
-              <a:rPr lang="en-US" smtClean="0"/>
-              <a:t>Module Overview</a:t>
-            </a:r>
-            <a:endParaRPr lang="en-US" dirty="0"/>
-          </a:p>
-        </p:txBody>
-      </p:sp>
-    </p:spTree>
-    <p:extLst>
-      <p:ext uri="{BB962C8B-B14F-4D97-AF65-F5344CB8AC3E}">
-        <p14:creationId xmlns:p14="http://schemas.microsoft.com/office/powerpoint/2010/main" val="318349970"/>
-      </p:ext>
-    </p:extLst>
-  </p:cSld>
-  <p:clrMapOvr>
-    <a:masterClrMapping/>
-  </p:clrMapOvr>
   <p:timing>
     <p:tnLst>
       <p:par>
@@ -4968,7 +6202,7 @@
 </p:sld>
 </file>
 
-<file path=ppt/slides/slide20.xml><?xml version="1.0" encoding="utf-8"?>
+<file path=ppt/slides/slide15.xml><?xml version="1.0" encoding="utf-8"?>
 <p:sld xmlns:a="http://schemas.openxmlformats.org/drawingml/2006/main" xmlns:r="http://schemas.openxmlformats.org/officeDocument/2006/relationships" xmlns:p="http://schemas.openxmlformats.org/presentationml/2006/main">
   <p:cSld>
     <p:spTree>
@@ -5309,7 +6543,7 @@
 </p:sld>
 </file>
 
-<file path=ppt/slides/slide21.xml><?xml version="1.0" encoding="utf-8"?>
+<file path=ppt/slides/slide16.xml><?xml version="1.0" encoding="utf-8"?>
 <p:sld xmlns:a="http://schemas.openxmlformats.org/drawingml/2006/main" xmlns:r="http://schemas.openxmlformats.org/officeDocument/2006/relationships" xmlns:p="http://schemas.openxmlformats.org/presentationml/2006/main">
   <p:cSld>
     <p:spTree>
@@ -5482,10 +6716,17 @@
   <p:clrMapOvr>
     <a:masterClrMapping/>
   </p:clrMapOvr>
+  <p:timing>
+    <p:tnLst>
+      <p:par>
+        <p:cTn id="1" dur="indefinite" restart="never" nodeType="tmRoot"/>
+      </p:par>
+    </p:tnLst>
+  </p:timing>
 </p:sld>
 </file>
 
-<file path=ppt/slides/slide22.xml><?xml version="1.0" encoding="utf-8"?>
+<file path=ppt/slides/slide17.xml><?xml version="1.0" encoding="utf-8"?>
 <p:sld xmlns:a="http://schemas.openxmlformats.org/drawingml/2006/main" xmlns:r="http://schemas.openxmlformats.org/officeDocument/2006/relationships" xmlns:p="http://schemas.openxmlformats.org/presentationml/2006/main">
   <p:cSld>
     <p:spTree>
@@ -5740,10 +6981,17 @@
   <p:clrMapOvr>
     <a:masterClrMapping/>
   </p:clrMapOvr>
+  <p:timing>
+    <p:tnLst>
+      <p:par>
+        <p:cTn id="1" dur="indefinite" restart="never" nodeType="tmRoot"/>
+      </p:par>
+    </p:tnLst>
+  </p:timing>
 </p:sld>
 </file>
 
-<file path=ppt/slides/slide23.xml><?xml version="1.0" encoding="utf-8"?>
+<file path=ppt/slides/slide18.xml><?xml version="1.0" encoding="utf-8"?>
 <p:sld xmlns:a="http://schemas.openxmlformats.org/drawingml/2006/main" xmlns:r="http://schemas.openxmlformats.org/officeDocument/2006/relationships" xmlns:p="http://schemas.openxmlformats.org/presentationml/2006/main">
   <p:cSld>
     <p:spTree>
@@ -5903,10 +7151,17 @@
   <p:clrMapOvr>
     <a:masterClrMapping/>
   </p:clrMapOvr>
+  <p:timing>
+    <p:tnLst>
+      <p:par>
+        <p:cTn id="1" dur="indefinite" restart="never" nodeType="tmRoot"/>
+      </p:par>
+    </p:tnLst>
+  </p:timing>
 </p:sld>
 </file>
 
-<file path=ppt/slides/slide24.xml><?xml version="1.0" encoding="utf-8"?>
+<file path=ppt/slides/slide19.xml><?xml version="1.0" encoding="utf-8"?>
 <p:sld xmlns:a="http://schemas.openxmlformats.org/drawingml/2006/main" xmlns:r="http://schemas.openxmlformats.org/officeDocument/2006/relationships" xmlns:p="http://schemas.openxmlformats.org/presentationml/2006/main">
   <p:cSld>
     <p:spTree>
@@ -5939,8 +7194,8 @@
           <a:lstStyle/>
           <a:p>
             <a:r>
-              <a:rPr lang="en-US" dirty="0" smtClean="0"/>
-              <a:t>Queries</a:t>
+              <a:rPr lang="en-US" smtClean="0"/>
+              <a:t>Custom queries</a:t>
             </a:r>
             <a:endParaRPr lang="en-US" dirty="0"/>
           </a:p>
@@ -5966,7 +7221,7 @@
 </p:sld>
 </file>
 
-<file path=ppt/slides/slide25.xml><?xml version="1.0" encoding="utf-8"?>
+<file path=ppt/slides/slide2.xml><?xml version="1.0" encoding="utf-8"?>
 <p:sld xmlns:a="http://schemas.openxmlformats.org/drawingml/2006/main" xmlns:r="http://schemas.openxmlformats.org/officeDocument/2006/relationships" xmlns:p="http://schemas.openxmlformats.org/presentationml/2006/main">
   <p:cSld>
     <p:spTree>
@@ -5985,6 +7240,103 @@
       </p:grpSpPr>
       <p:sp>
         <p:nvSpPr>
+          <p:cNvPr id="7" name="Content Placeholder 6"/>
+          <p:cNvSpPr>
+            <a:spLocks noGrp="1"/>
+          </p:cNvSpPr>
+          <p:nvPr>
+            <p:ph sz="quarter" idx="10"/>
+          </p:nvPr>
+        </p:nvSpPr>
+        <p:spPr/>
+        <p:txBody>
+          <a:bodyPr>
+            <a:normAutofit/>
+          </a:bodyPr>
+          <a:lstStyle/>
+          <a:p>
+            <a:r>
+              <a:rPr lang="en-GB" dirty="0" smtClean="0"/>
+              <a:t>Creating and updating data</a:t>
+            </a:r>
+          </a:p>
+          <a:p>
+            <a:r>
+              <a:rPr lang="en-GB" dirty="0" smtClean="0"/>
+              <a:t>Basic queries</a:t>
+            </a:r>
+          </a:p>
+          <a:p>
+            <a:r>
+              <a:rPr lang="en-GB" dirty="0" smtClean="0"/>
+              <a:t>Custom queries</a:t>
+            </a:r>
+            <a:endParaRPr lang="en-GB" dirty="0"/>
+          </a:p>
+        </p:txBody>
+      </p:sp>
+      <p:sp>
+        <p:nvSpPr>
+          <p:cNvPr id="2" name="Title 1"/>
+          <p:cNvSpPr>
+            <a:spLocks noGrp="1"/>
+          </p:cNvSpPr>
+          <p:nvPr>
+            <p:ph type="title"/>
+          </p:nvPr>
+        </p:nvSpPr>
+        <p:spPr/>
+        <p:txBody>
+          <a:bodyPr/>
+          <a:lstStyle/>
+          <a:p>
+            <a:r>
+              <a:rPr lang="en-US" smtClean="0"/>
+              <a:t>Module Overview</a:t>
+            </a:r>
+            <a:endParaRPr lang="en-US" dirty="0"/>
+          </a:p>
+        </p:txBody>
+      </p:sp>
+    </p:spTree>
+    <p:extLst>
+      <p:ext uri="{BB962C8B-B14F-4D97-AF65-F5344CB8AC3E}">
+        <p14:creationId xmlns:p14="http://schemas.microsoft.com/office/powerpoint/2010/main" val="318349970"/>
+      </p:ext>
+    </p:extLst>
+  </p:cSld>
+  <p:clrMapOvr>
+    <a:masterClrMapping/>
+  </p:clrMapOvr>
+  <p:timing>
+    <p:tnLst>
+      <p:par>
+        <p:cTn id="1" dur="indefinite" restart="never" nodeType="tmRoot"/>
+      </p:par>
+    </p:tnLst>
+  </p:timing>
+</p:sld>
+</file>
+
+<file path=ppt/slides/slide20.xml><?xml version="1.0" encoding="utf-8"?>
+<p:sld xmlns:a="http://schemas.openxmlformats.org/drawingml/2006/main" xmlns:r="http://schemas.openxmlformats.org/officeDocument/2006/relationships" xmlns:p="http://schemas.openxmlformats.org/presentationml/2006/main">
+  <p:cSld>
+    <p:spTree>
+      <p:nvGrpSpPr>
+        <p:cNvPr id="1" name=""/>
+        <p:cNvGrpSpPr/>
+        <p:nvPr/>
+      </p:nvGrpSpPr>
+      <p:grpSpPr>
+        <a:xfrm>
+          <a:off x="0" y="0"/>
+          <a:ext cx="0" cy="0"/>
+          <a:chOff x="0" y="0"/>
+          <a:chExt cx="0" cy="0"/>
+        </a:xfrm>
+      </p:grpSpPr>
+      <p:sp>
+        <p:nvSpPr>
           <p:cNvPr id="3" name="Title 2"/>
           <p:cNvSpPr>
             <a:spLocks noGrp="1"/>
@@ -6025,7 +7377,7 @@
           <a:p>
             <a:r>
               <a:rPr lang="en-US" dirty="0" smtClean="0"/>
-              <a:t>Django allows you to walk the object chain</a:t>
+              <a:t>Django allows you to walk the object chain using the foreign key relationship we defined</a:t>
             </a:r>
           </a:p>
           <a:p>
@@ -6307,7 +7659,6 @@
               <a:rPr lang="en-US" dirty="0"/>
               <a:t>1</a:t>
             </a:r>
-            <a:endParaRPr lang="en-US" dirty="0"/>
           </a:p>
         </p:txBody>
       </p:sp>
@@ -6407,7 +7758,7 @@
 </p:sld>
 </file>
 
-<file path=ppt/slides/slide26.xml><?xml version="1.0" encoding="utf-8"?>
+<file path=ppt/slides/slide21.xml><?xml version="1.0" encoding="utf-8"?>
 <p:sld xmlns:a="http://schemas.openxmlformats.org/drawingml/2006/main" xmlns:r="http://schemas.openxmlformats.org/officeDocument/2006/relationships" xmlns:p="http://schemas.openxmlformats.org/presentationml/2006/main">
   <p:cSld>
     <p:spTree>
@@ -6441,9 +7792,13 @@
           <a:p>
             <a:r>
               <a:rPr lang="en-US" dirty="0" smtClean="0"/>
-              <a:t>Walking the object chain</a:t>
-            </a:r>
-            <a:endParaRPr lang="en-US" dirty="0"/>
+              <a:t>Walking the </a:t>
+            </a:r>
+            <a:r>
+              <a:rPr lang="en-US" smtClean="0"/>
+              <a:t>object chain</a:t>
+            </a:r>
+            <a:endParaRPr lang="en-US"/>
           </a:p>
         </p:txBody>
       </p:sp>
@@ -6467,7 +7822,7 @@
 </p:sld>
 </file>
 
-<file path=ppt/slides/slide27.xml><?xml version="1.0" encoding="utf-8"?>
+<file path=ppt/slides/slide22.xml><?xml version="1.0" encoding="utf-8"?>
 <p:sld xmlns:a="http://schemas.openxmlformats.org/drawingml/2006/main" xmlns:r="http://schemas.openxmlformats.org/officeDocument/2006/relationships" xmlns:p="http://schemas.openxmlformats.org/presentationml/2006/main">
   <p:cSld>
     <p:spTree>
@@ -6494,6 +7849,13 @@
   <p:clrMapOvr>
     <a:masterClrMapping/>
   </p:clrMapOvr>
+  <p:timing>
+    <p:tnLst>
+      <p:par>
+        <p:cTn id="1" dur="indefinite" restart="never" nodeType="tmRoot"/>
+      </p:par>
+    </p:tnLst>
+  </p:timing>
 </p:sld>
 </file>
 
@@ -6516,7 +7878,7 @@
       </p:grpSpPr>
       <p:sp>
         <p:nvSpPr>
-          <p:cNvPr id="6" name="Text Placeholder 5"/>
+          <p:cNvPr id="4" name="Text Placeholder 3"/>
           <p:cNvSpPr>
             <a:spLocks noGrp="1"/>
           </p:cNvSpPr>
@@ -6531,7 +7893,7 @@
           <a:p>
             <a:r>
               <a:rPr lang="en-US" dirty="0" smtClean="0"/>
-              <a:t>Getting the database ready</a:t>
+              <a:t>Creating and updating data</a:t>
             </a:r>
             <a:endParaRPr lang="en-US" dirty="0"/>
           </a:p>
@@ -6539,7 +7901,7 @@
       </p:sp>
       <p:sp>
         <p:nvSpPr>
-          <p:cNvPr id="5" name="Subtitle 4"/>
+          <p:cNvPr id="3" name="Subtitle 2"/>
           <p:cNvSpPr>
             <a:spLocks noGrp="1"/>
           </p:cNvSpPr>
@@ -6559,13 +7921,20 @@
     </p:spTree>
     <p:extLst>
       <p:ext uri="{BB962C8B-B14F-4D97-AF65-F5344CB8AC3E}">
-        <p14:creationId xmlns:p14="http://schemas.microsoft.com/office/powerpoint/2010/main" val="255798916"/>
+        <p14:creationId xmlns:p14="http://schemas.microsoft.com/office/powerpoint/2010/main" val="3041626652"/>
       </p:ext>
     </p:extLst>
   </p:cSld>
   <p:clrMapOvr>
     <a:masterClrMapping/>
   </p:clrMapOvr>
+  <p:timing>
+    <p:tnLst>
+      <p:par>
+        <p:cTn id="1" dur="indefinite" restart="never" nodeType="tmRoot"/>
+      </p:par>
+    </p:tnLst>
+  </p:timing>
 </p:sld>
 </file>
 
@@ -6603,7 +7972,7 @@
           <a:p>
             <a:r>
               <a:rPr lang="en-US" dirty="0" smtClean="0"/>
-              <a:t>Wait - what database is Django going to use?</a:t>
+              <a:t>If you know how to create an object in Python…</a:t>
             </a:r>
             <a:endParaRPr lang="en-US" dirty="0"/>
           </a:p>
@@ -6626,55 +7995,125 @@
           <a:p>
             <a:r>
               <a:rPr lang="en-US" dirty="0" smtClean="0"/>
-              <a:t>Whatever database you specify in the settings.py file</a:t>
-            </a:r>
+              <a:t>You already know how to create and save objects into the database using Django</a:t>
+            </a:r>
+          </a:p>
+          <a:p>
+            <a:endParaRPr lang="en-US" dirty="0"/>
+          </a:p>
+          <a:p>
+            <a:endParaRPr lang="en-US" dirty="0" smtClean="0"/>
           </a:p>
           <a:p>
             <a:r>
               <a:rPr lang="en-US" dirty="0" smtClean="0"/>
-              <a:t>Supported databases include</a:t>
-            </a:r>
-          </a:p>
-          <a:p>
-            <a:pPr lvl="1"/>
-            <a:r>
-              <a:rPr lang="en-US" dirty="0" smtClean="0"/>
-              <a:t>SQLite</a:t>
-            </a:r>
-          </a:p>
-          <a:p>
-            <a:pPr lvl="1"/>
-            <a:r>
-              <a:rPr lang="en-US" dirty="0" smtClean="0"/>
-              <a:t>MySQL</a:t>
-            </a:r>
-          </a:p>
-          <a:p>
-            <a:pPr lvl="1"/>
-            <a:r>
-              <a:rPr lang="en-US" dirty="0" smtClean="0"/>
-              <a:t>Microsoft SQL Server</a:t>
-            </a:r>
-          </a:p>
-          <a:p>
-            <a:r>
-              <a:rPr lang="en-US" dirty="0" smtClean="0"/>
-              <a:t>SQLite is the default development database for Django projects in Visual Studio</a:t>
+              <a:t>The save method was added when we specified our class inherited from Model</a:t>
             </a:r>
             <a:endParaRPr lang="en-US" dirty="0"/>
+          </a:p>
+        </p:txBody>
+      </p:sp>
+      <p:sp>
+        <p:nvSpPr>
+          <p:cNvPr id="6" name="Rounded Rectangle 5"/>
+          <p:cNvSpPr/>
+          <p:nvPr/>
+        </p:nvSpPr>
+        <p:spPr>
+          <a:xfrm>
+            <a:off x="1292352" y="2596896"/>
+            <a:ext cx="8985504" cy="1011936"/>
+          </a:xfrm>
+          <a:prstGeom prst="roundRect">
+            <a:avLst/>
+          </a:prstGeom>
+        </p:spPr>
+        <p:style>
+          <a:lnRef idx="1">
+            <a:schemeClr val="accent3"/>
+          </a:lnRef>
+          <a:fillRef idx="2">
+            <a:schemeClr val="accent3"/>
+          </a:fillRef>
+          <a:effectRef idx="1">
+            <a:schemeClr val="accent3"/>
+          </a:effectRef>
+          <a:fontRef idx="minor">
+            <a:schemeClr val="dk1"/>
+          </a:fontRef>
+        </p:style>
+        <p:txBody>
+          <a:bodyPr rtlCol="0" anchor="ctr"/>
+          <a:lstStyle/>
+          <a:p>
+            <a:r>
+              <a:rPr lang="en-US" sz="2000" dirty="0" err="1" smtClean="0">
+                <a:latin typeface="Consolas" panose="020B0609020204030204" pitchFamily="49" charset="0"/>
+                <a:cs typeface="Consolas" panose="020B0609020204030204" pitchFamily="49" charset="0"/>
+              </a:rPr>
+              <a:t>newArtist</a:t>
+            </a:r>
+            <a:r>
+              <a:rPr lang="en-US" sz="2000" dirty="0" smtClean="0">
+                <a:latin typeface="Consolas" panose="020B0609020204030204" pitchFamily="49" charset="0"/>
+                <a:cs typeface="Consolas" panose="020B0609020204030204" pitchFamily="49" charset="0"/>
+              </a:rPr>
+              <a:t> = Artist(name = 'Artist Name', </a:t>
+            </a:r>
+            <a:r>
+              <a:rPr lang="en-US" sz="2000" dirty="0" err="1" smtClean="0">
+                <a:latin typeface="Consolas" panose="020B0609020204030204" pitchFamily="49" charset="0"/>
+                <a:cs typeface="Consolas" panose="020B0609020204030204" pitchFamily="49" charset="0"/>
+              </a:rPr>
+              <a:t>year_formed</a:t>
+            </a:r>
+            <a:r>
+              <a:rPr lang="en-US" sz="2000" dirty="0" smtClean="0">
+                <a:latin typeface="Consolas" panose="020B0609020204030204" pitchFamily="49" charset="0"/>
+                <a:cs typeface="Consolas" panose="020B0609020204030204" pitchFamily="49" charset="0"/>
+              </a:rPr>
+              <a:t> = 2015);</a:t>
+            </a:r>
+          </a:p>
+          <a:p>
+            <a:r>
+              <a:rPr lang="en-US" sz="2000" dirty="0" err="1" smtClean="0">
+                <a:latin typeface="Consolas" panose="020B0609020204030204" pitchFamily="49" charset="0"/>
+                <a:cs typeface="Consolas" panose="020B0609020204030204" pitchFamily="49" charset="0"/>
+              </a:rPr>
+              <a:t>newArtist.save</a:t>
+            </a:r>
+            <a:r>
+              <a:rPr lang="en-US" sz="2000" dirty="0" smtClean="0">
+                <a:latin typeface="Consolas" panose="020B0609020204030204" pitchFamily="49" charset="0"/>
+                <a:cs typeface="Consolas" panose="020B0609020204030204" pitchFamily="49" charset="0"/>
+              </a:rPr>
+              <a:t>();</a:t>
+            </a:r>
+            <a:endParaRPr lang="en-US" sz="2000" dirty="0">
+              <a:latin typeface="Consolas" panose="020B0609020204030204" pitchFamily="49" charset="0"/>
+              <a:cs typeface="Consolas" panose="020B0609020204030204" pitchFamily="49" charset="0"/>
+            </a:endParaRPr>
           </a:p>
         </p:txBody>
       </p:sp>
     </p:spTree>
     <p:extLst>
       <p:ext uri="{BB962C8B-B14F-4D97-AF65-F5344CB8AC3E}">
-        <p14:creationId xmlns:p14="http://schemas.microsoft.com/office/powerpoint/2010/main" val="1395912019"/>
+        <p14:creationId xmlns:p14="http://schemas.microsoft.com/office/powerpoint/2010/main" val="570307886"/>
       </p:ext>
     </p:extLst>
   </p:cSld>
   <p:clrMapOvr>
     <a:masterClrMapping/>
   </p:clrMapOvr>
+  <p:timing>
+    <p:tnLst>
+      <p:par>
+        <p:cTn id="1" dur="indefinite" restart="never" nodeType="tmRoot"/>
+      </p:par>
+    </p:tnLst>
+  </p:timing>
 </p:sld>
 </file>
 
@@ -6707,12 +8146,14 @@
         </p:nvSpPr>
         <p:spPr/>
         <p:txBody>
-          <a:bodyPr/>
+          <a:bodyPr>
+            <a:normAutofit fontScale="90000"/>
+          </a:bodyPr>
           <a:lstStyle/>
           <a:p>
             <a:r>
               <a:rPr lang="en-US" dirty="0" smtClean="0"/>
-              <a:t>What is SQLite?</a:t>
+              <a:t>And if you know how to modify objects in Python…</a:t>
             </a:r>
             <a:endParaRPr lang="en-US" dirty="0"/>
           </a:p>
@@ -6735,27 +8176,104 @@
           <a:p>
             <a:r>
               <a:rPr lang="en-US" dirty="0" smtClean="0"/>
-              <a:t>As the name implies, SQLite is a lightweight relational database</a:t>
+              <a:t>You know how to update the object in the database</a:t>
             </a:r>
           </a:p>
           <a:p>
             <a:r>
               <a:rPr lang="en-US" dirty="0" smtClean="0"/>
-              <a:t>It’s open source and perfect for development</a:t>
-            </a:r>
+              <a:t>The Python ORM automatically tracks changes to the object</a:t>
+            </a:r>
+          </a:p>
+          <a:p>
+            <a:r>
+              <a:rPr lang="en-US" dirty="0" smtClean="0"/>
+              <a:t>All you need to do is update the object, and call save()</a:t>
+            </a:r>
+            <a:endParaRPr lang="en-US" dirty="0"/>
+          </a:p>
+        </p:txBody>
+      </p:sp>
+      <p:sp>
+        <p:nvSpPr>
+          <p:cNvPr id="4" name="Rounded Rectangle 3"/>
+          <p:cNvSpPr/>
+          <p:nvPr/>
+        </p:nvSpPr>
+        <p:spPr>
+          <a:xfrm>
+            <a:off x="3267456" y="3901440"/>
+            <a:ext cx="4986528" cy="1011936"/>
+          </a:xfrm>
+          <a:prstGeom prst="roundRect">
+            <a:avLst/>
+          </a:prstGeom>
+        </p:spPr>
+        <p:style>
+          <a:lnRef idx="1">
+            <a:schemeClr val="accent3"/>
+          </a:lnRef>
+          <a:fillRef idx="2">
+            <a:schemeClr val="accent3"/>
+          </a:fillRef>
+          <a:effectRef idx="1">
+            <a:schemeClr val="accent3"/>
+          </a:effectRef>
+          <a:fontRef idx="minor">
+            <a:schemeClr val="dk1"/>
+          </a:fontRef>
+        </p:style>
+        <p:txBody>
+          <a:bodyPr rtlCol="0" anchor="ctr"/>
+          <a:lstStyle/>
+          <a:p>
+            <a:r>
+              <a:rPr lang="en-US" sz="2000" dirty="0" smtClean="0">
+                <a:latin typeface="Consolas" panose="020B0609020204030204" pitchFamily="49" charset="0"/>
+                <a:cs typeface="Consolas" panose="020B0609020204030204" pitchFamily="49" charset="0"/>
+              </a:rPr>
+              <a:t>newArtist.name = 'Updated Name';</a:t>
+            </a:r>
+          </a:p>
+          <a:p>
+            <a:r>
+              <a:rPr lang="en-US" sz="2000" dirty="0" err="1" smtClean="0">
+                <a:latin typeface="Consolas" panose="020B0609020204030204" pitchFamily="49" charset="0"/>
+                <a:cs typeface="Consolas" panose="020B0609020204030204" pitchFamily="49" charset="0"/>
+              </a:rPr>
+              <a:t>newArtist.save</a:t>
+            </a:r>
+            <a:r>
+              <a:rPr lang="en-US" sz="2000" dirty="0" smtClean="0">
+                <a:latin typeface="Consolas" panose="020B0609020204030204" pitchFamily="49" charset="0"/>
+                <a:cs typeface="Consolas" panose="020B0609020204030204" pitchFamily="49" charset="0"/>
+              </a:rPr>
+              <a:t>();</a:t>
+            </a:r>
+            <a:endParaRPr lang="en-US" sz="2000" dirty="0">
+              <a:latin typeface="Consolas" panose="020B0609020204030204" pitchFamily="49" charset="0"/>
+              <a:cs typeface="Consolas" panose="020B0609020204030204" pitchFamily="49" charset="0"/>
+            </a:endParaRPr>
           </a:p>
         </p:txBody>
       </p:sp>
     </p:spTree>
     <p:extLst>
       <p:ext uri="{BB962C8B-B14F-4D97-AF65-F5344CB8AC3E}">
-        <p14:creationId xmlns:p14="http://schemas.microsoft.com/office/powerpoint/2010/main" val="616318197"/>
+        <p14:creationId xmlns:p14="http://schemas.microsoft.com/office/powerpoint/2010/main" val="2167288264"/>
       </p:ext>
     </p:extLst>
   </p:cSld>
   <p:clrMapOvr>
     <a:masterClrMapping/>
   </p:clrMapOvr>
+  <p:timing>
+    <p:tnLst>
+      <p:par>
+        <p:cTn id="1" dur="indefinite" restart="never" nodeType="tmRoot"/>
+      </p:par>
+    </p:tnLst>
+  </p:timing>
 </p:sld>
 </file>
 
@@ -6778,7 +8296,7 @@
       </p:grpSpPr>
       <p:sp>
         <p:nvSpPr>
-          <p:cNvPr id="2" name="Title 1"/>
+          <p:cNvPr id="4" name="Title 3"/>
           <p:cNvSpPr>
             <a:spLocks noGrp="1"/>
           </p:cNvSpPr>
@@ -6793,84 +8311,7 @@
           <a:p>
             <a:r>
               <a:rPr lang="en-US" dirty="0" smtClean="0"/>
-              <a:t>How do we create the database?</a:t>
-            </a:r>
-            <a:endParaRPr lang="en-US" dirty="0"/>
-          </a:p>
-        </p:txBody>
-      </p:sp>
-      <p:sp>
-        <p:nvSpPr>
-          <p:cNvPr id="3" name="Content Placeholder 2"/>
-          <p:cNvSpPr>
-            <a:spLocks noGrp="1"/>
-          </p:cNvSpPr>
-          <p:nvPr>
-            <p:ph sz="quarter" idx="10"/>
-          </p:nvPr>
-        </p:nvSpPr>
-        <p:spPr/>
-        <p:txBody>
-          <a:bodyPr/>
-          <a:lstStyle/>
-          <a:p>
-            <a:r>
-              <a:rPr lang="en-US" dirty="0" smtClean="0"/>
-              <a:t>Databases used by the Django ORM are managed by migrations</a:t>
-            </a:r>
-          </a:p>
-          <a:p>
-            <a:r>
-              <a:rPr lang="en-US" dirty="0" smtClean="0"/>
-              <a:t>Three main commands</a:t>
-            </a:r>
-          </a:p>
-          <a:p>
-            <a:pPr lvl="1"/>
-            <a:r>
-              <a:rPr lang="en-US" b="1" dirty="0" err="1" smtClean="0"/>
-              <a:t>makemigrations</a:t>
-            </a:r>
-            <a:endParaRPr lang="en-US" dirty="0"/>
-          </a:p>
-          <a:p>
-            <a:pPr lvl="2"/>
-            <a:r>
-              <a:rPr lang="en-US" dirty="0" smtClean="0"/>
-              <a:t>Create a new migration, which contains all of the changes to be made to the database</a:t>
-            </a:r>
-          </a:p>
-          <a:p>
-            <a:pPr lvl="1"/>
-            <a:r>
-              <a:rPr lang="en-US" b="1" dirty="0" err="1" smtClean="0"/>
-              <a:t>sqlmigrate</a:t>
-            </a:r>
-            <a:endParaRPr lang="en-US" dirty="0"/>
-          </a:p>
-          <a:p>
-            <a:pPr lvl="2"/>
-            <a:r>
-              <a:rPr lang="en-US" dirty="0"/>
-              <a:t>D</a:t>
-            </a:r>
-            <a:r>
-              <a:rPr lang="en-US" dirty="0" smtClean="0"/>
-              <a:t>isplay the SQL statements to be used by a migration</a:t>
-            </a:r>
-          </a:p>
-          <a:p>
-            <a:pPr lvl="1"/>
-            <a:r>
-              <a:rPr lang="en-US" b="1" dirty="0" smtClean="0"/>
-              <a:t>migrate</a:t>
-            </a:r>
-          </a:p>
-          <a:p>
-            <a:pPr lvl="2"/>
-            <a:r>
-              <a:rPr lang="en-US" dirty="0" smtClean="0"/>
-              <a:t>Update the database</a:t>
+              <a:t>Creating and saving objects using Django ORM</a:t>
             </a:r>
             <a:endParaRPr lang="en-US" dirty="0"/>
           </a:p>
@@ -6879,13 +8320,20 @@
     </p:spTree>
     <p:extLst>
       <p:ext uri="{BB962C8B-B14F-4D97-AF65-F5344CB8AC3E}">
-        <p14:creationId xmlns:p14="http://schemas.microsoft.com/office/powerpoint/2010/main" val="2545266716"/>
+        <p14:creationId xmlns:p14="http://schemas.microsoft.com/office/powerpoint/2010/main" val="1240454402"/>
       </p:ext>
     </p:extLst>
   </p:cSld>
   <p:clrMapOvr>
     <a:masterClrMapping/>
   </p:clrMapOvr>
+  <p:timing>
+    <p:tnLst>
+      <p:par>
+        <p:cTn id="1" dur="indefinite" restart="never" nodeType="tmRoot"/>
+      </p:par>
+    </p:tnLst>
+  </p:timing>
 </p:sld>
 </file>
 
@@ -6908,12 +8356,12 @@
       </p:grpSpPr>
       <p:sp>
         <p:nvSpPr>
-          <p:cNvPr id="2" name="Title 1"/>
+          <p:cNvPr id="4" name="Text Placeholder 3"/>
           <p:cNvSpPr>
             <a:spLocks noGrp="1"/>
           </p:cNvSpPr>
           <p:nvPr>
-            <p:ph type="title"/>
+            <p:ph type="body" sz="quarter" idx="10"/>
           </p:nvPr>
         </p:nvSpPr>
         <p:spPr/>
@@ -6922,12 +8370,8 @@
           <a:lstStyle/>
           <a:p>
             <a:r>
-              <a:rPr lang="en-US" dirty="0" err="1" smtClean="0"/>
-              <a:t>makemigrations</a:t>
-            </a:r>
-            <a:r>
               <a:rPr lang="en-US" dirty="0" smtClean="0"/>
-              <a:t> parameters</a:t>
+              <a:t>Basic Queries</a:t>
             </a:r>
             <a:endParaRPr lang="en-US" dirty="0"/>
           </a:p>
@@ -6935,12 +8379,12 @@
       </p:sp>
       <p:sp>
         <p:nvSpPr>
-          <p:cNvPr id="3" name="Content Placeholder 2"/>
+          <p:cNvPr id="3" name="Subtitle 2"/>
           <p:cNvSpPr>
             <a:spLocks noGrp="1"/>
           </p:cNvSpPr>
           <p:nvPr>
-            <p:ph sz="quarter" idx="10"/>
+            <p:ph type="subTitle" idx="1"/>
           </p:nvPr>
         </p:nvSpPr>
         <p:spPr/>
@@ -6948,31 +8392,6 @@
           <a:bodyPr/>
           <a:lstStyle/>
           <a:p>
-            <a:r>
-              <a:rPr lang="en-US" dirty="0" smtClean="0"/>
-              <a:t>--name</a:t>
-            </a:r>
-          </a:p>
-          <a:p>
-            <a:pPr lvl="1"/>
-            <a:r>
-              <a:rPr lang="en-US" dirty="0" smtClean="0"/>
-              <a:t>Name of the migration</a:t>
-            </a:r>
-          </a:p>
-          <a:p>
-            <a:r>
-              <a:rPr lang="en-US" i="1" dirty="0" err="1" smtClean="0"/>
-              <a:t>Name_of_the_app</a:t>
-            </a:r>
-            <a:endParaRPr lang="en-US" dirty="0" smtClean="0"/>
-          </a:p>
-          <a:p>
-            <a:pPr lvl="1"/>
-            <a:r>
-              <a:rPr lang="en-US" dirty="0" smtClean="0"/>
-              <a:t>app by default</a:t>
-            </a:r>
             <a:endParaRPr lang="en-US" dirty="0"/>
           </a:p>
         </p:txBody>
@@ -6980,13 +8399,20 @@
     </p:spTree>
     <p:extLst>
       <p:ext uri="{BB962C8B-B14F-4D97-AF65-F5344CB8AC3E}">
-        <p14:creationId xmlns:p14="http://schemas.microsoft.com/office/powerpoint/2010/main" val="3589194903"/>
+        <p14:creationId xmlns:p14="http://schemas.microsoft.com/office/powerpoint/2010/main" val="1009997631"/>
       </p:ext>
     </p:extLst>
   </p:cSld>
   <p:clrMapOvr>
     <a:masterClrMapping/>
   </p:clrMapOvr>
+  <p:timing>
+    <p:tnLst>
+      <p:par>
+        <p:cTn id="1" dur="indefinite" restart="never" nodeType="tmRoot"/>
+      </p:par>
+    </p:tnLst>
+  </p:timing>
 </p:sld>
 </file>
 
@@ -7009,7 +8435,7 @@
       </p:grpSpPr>
       <p:sp>
         <p:nvSpPr>
-          <p:cNvPr id="2" name="Title 1"/>
+          <p:cNvPr id="4" name="Title 3"/>
           <p:cNvSpPr>
             <a:spLocks noGrp="1"/>
           </p:cNvSpPr>
@@ -7019,14 +8445,12 @@
         </p:nvSpPr>
         <p:spPr/>
         <p:txBody>
-          <a:bodyPr>
-            <a:normAutofit/>
-          </a:bodyPr>
+          <a:bodyPr/>
           <a:lstStyle/>
           <a:p>
             <a:r>
               <a:rPr lang="en-US" dirty="0" smtClean="0"/>
-              <a:t>How do we execute these commands?</a:t>
+              <a:t>Django has great support for querying data</a:t>
             </a:r>
             <a:endParaRPr lang="en-US" dirty="0"/>
           </a:p>
@@ -7034,7 +8458,7 @@
       </p:sp>
       <p:sp>
         <p:nvSpPr>
-          <p:cNvPr id="3" name="Content Placeholder 2"/>
+          <p:cNvPr id="5" name="Content Placeholder 4"/>
           <p:cNvSpPr>
             <a:spLocks noGrp="1"/>
           </p:cNvSpPr>
@@ -7049,40 +8473,82 @@
           <a:p>
             <a:r>
               <a:rPr lang="en-US" dirty="0" smtClean="0"/>
-              <a:t>Django provides a manage.py script file to be used for managing the database</a:t>
+              <a:t>Basically, however you need to go get the data there's a way to write the query using Django ORM</a:t>
             </a:r>
           </a:p>
           <a:p>
             <a:r>
               <a:rPr lang="en-US" dirty="0" smtClean="0"/>
-              <a:t>Must be executed from the command line</a:t>
+              <a:t>Queries are created by using the </a:t>
+            </a:r>
+            <a:r>
+              <a:rPr lang="en-US" b="1" dirty="0" smtClean="0">
+                <a:latin typeface="Consolas" panose="020B0609020204030204" pitchFamily="49" charset="0"/>
+                <a:cs typeface="Consolas" panose="020B0609020204030204" pitchFamily="49" charset="0"/>
+              </a:rPr>
+              <a:t>objects</a:t>
+            </a:r>
+            <a:r>
+              <a:rPr lang="en-US" dirty="0" smtClean="0"/>
+              <a:t> collection</a:t>
             </a:r>
           </a:p>
           <a:p>
             <a:pPr lvl="1"/>
             <a:r>
+              <a:rPr lang="en-US" b="1" dirty="0" smtClean="0">
+                <a:latin typeface="Consolas" panose="020B0609020204030204" pitchFamily="49" charset="0"/>
+                <a:cs typeface="Consolas" panose="020B0609020204030204" pitchFamily="49" charset="0"/>
+              </a:rPr>
+              <a:t>objects</a:t>
+            </a:r>
+            <a:r>
+              <a:rPr lang="en-US" dirty="0" smtClean="0">
+                <a:latin typeface="Consolas" panose="020B0609020204030204" pitchFamily="49" charset="0"/>
+                <a:cs typeface="Consolas" panose="020B0609020204030204" pitchFamily="49" charset="0"/>
+              </a:rPr>
+              <a:t> </a:t>
+            </a:r>
+            <a:r>
               <a:rPr lang="en-US" dirty="0" smtClean="0"/>
-              <a:t>Visual Studio uses an older syntax</a:t>
-            </a:r>
-            <a:endParaRPr lang="en-US" dirty="0"/>
+              <a:t>is added to each class that inherits from </a:t>
+            </a:r>
+            <a:r>
+              <a:rPr lang="en-US" b="1" dirty="0" smtClean="0">
+                <a:latin typeface="Consolas" panose="020B0609020204030204" pitchFamily="49" charset="0"/>
+                <a:cs typeface="Consolas" panose="020B0609020204030204" pitchFamily="49" charset="0"/>
+              </a:rPr>
+              <a:t>Model</a:t>
+            </a:r>
+            <a:endParaRPr lang="en-US" b="1" dirty="0">
+              <a:latin typeface="Consolas" panose="020B0609020204030204" pitchFamily="49" charset="0"/>
+              <a:cs typeface="Consolas" panose="020B0609020204030204" pitchFamily="49" charset="0"/>
+            </a:endParaRPr>
           </a:p>
         </p:txBody>
       </p:sp>
     </p:spTree>
     <p:extLst>
       <p:ext uri="{BB962C8B-B14F-4D97-AF65-F5344CB8AC3E}">
-        <p14:creationId xmlns:p14="http://schemas.microsoft.com/office/powerpoint/2010/main" val="3965718772"/>
+        <p14:creationId xmlns:p14="http://schemas.microsoft.com/office/powerpoint/2010/main" val="176934602"/>
       </p:ext>
     </p:extLst>
   </p:cSld>
   <p:clrMapOvr>
     <a:masterClrMapping/>
   </p:clrMapOvr>
+  <p:timing>
+    <p:tnLst>
+      <p:par>
+        <p:cTn id="1" dur="indefinite" restart="never" nodeType="tmRoot"/>
+      </p:par>
+    </p:tnLst>
+  </p:timing>
 </p:sld>
 </file>
 
 <file path=ppt/slides/slide9.xml><?xml version="1.0" encoding="utf-8"?>
-<p:sld xmlns:a="http://schemas.openxmlformats.org/drawingml/2006/main" xmlns:r="http://schemas.openxmlformats.org/officeDocument/2006/relationships" xmlns:p="http://schemas.openxmlformats.org/presentationml/2006/main">
+<p:sld xmlns:a="http://schemas.openxmlformats.org/drawingml/2006/main" xmlns:r="http://schemas.openxmlformats.org/officeDocument/2006/relationships" xmlns:p="http://schemas.openxmlformats.org/presentationml/2006/main" show="0">
   <p:cSld>
     <p:spTree>
       <p:nvGrpSpPr>
@@ -7113,24 +8579,287 @@
           <a:bodyPr/>
           <a:lstStyle/>
           <a:p>
-            <a:r>
-              <a:rPr lang="en-US" dirty="0" smtClean="0"/>
-              <a:t>Creating and executing a migration</a:t>
-            </a:r>
-            <a:endParaRPr lang="en-US" dirty="0"/>
+            <a:endParaRPr lang="en-US"/>
+          </a:p>
+        </p:txBody>
+      </p:sp>
+      <p:sp>
+        <p:nvSpPr>
+          <p:cNvPr id="5" name="Rectangle 4"/>
+          <p:cNvSpPr/>
+          <p:nvPr/>
+        </p:nvSpPr>
+        <p:spPr>
+          <a:xfrm>
+            <a:off x="685800" y="2136339"/>
+            <a:ext cx="10561320" cy="3046988"/>
+          </a:xfrm>
+          <a:prstGeom prst="rect">
+            <a:avLst/>
+          </a:prstGeom>
+        </p:spPr>
+        <p:txBody>
+          <a:bodyPr wrap="square">
+            <a:spAutoFit/>
+          </a:bodyPr>
+          <a:lstStyle/>
+          <a:p>
+            <a:r>
+              <a:rPr lang="en-CA" sz="2400" dirty="0">
+                <a:solidFill>
+                  <a:srgbClr val="008000"/>
+                </a:solidFill>
+                <a:latin typeface="Consolas" panose="020B0609020204030204" pitchFamily="49" charset="0"/>
+              </a:rPr>
+              <a:t># Retrieve all objects by using all()</a:t>
+            </a:r>
+            <a:endParaRPr lang="en-CA" sz="2400" dirty="0">
+              <a:latin typeface="Consolas" panose="020B0609020204030204" pitchFamily="49" charset="0"/>
+            </a:endParaRPr>
+          </a:p>
+          <a:p>
+            <a:r>
+              <a:rPr lang="en-CA" sz="2400" dirty="0" err="1" smtClean="0">
+                <a:latin typeface="Consolas" panose="020B0609020204030204" pitchFamily="49" charset="0"/>
+              </a:rPr>
+              <a:t>allArtists</a:t>
+            </a:r>
+            <a:r>
+              <a:rPr lang="en-CA" sz="2400" dirty="0">
+                <a:latin typeface="Consolas" panose="020B0609020204030204" pitchFamily="49" charset="0"/>
+              </a:rPr>
+              <a:t> = </a:t>
+            </a:r>
+            <a:r>
+              <a:rPr lang="en-CA" sz="2400" dirty="0" err="1">
+                <a:latin typeface="Consolas" panose="020B0609020204030204" pitchFamily="49" charset="0"/>
+              </a:rPr>
+              <a:t>Artist.objects.</a:t>
+            </a:r>
+            <a:r>
+              <a:rPr lang="en-CA" sz="2400" dirty="0" err="1">
+                <a:solidFill>
+                  <a:srgbClr val="008080"/>
+                </a:solidFill>
+                <a:latin typeface="Consolas" panose="020B0609020204030204" pitchFamily="49" charset="0"/>
+              </a:rPr>
+              <a:t>all</a:t>
+            </a:r>
+            <a:r>
+              <a:rPr lang="en-CA" sz="2400" dirty="0">
+                <a:latin typeface="Consolas" panose="020B0609020204030204" pitchFamily="49" charset="0"/>
+              </a:rPr>
+              <a:t>();</a:t>
+            </a:r>
+          </a:p>
+          <a:p>
+            <a:r>
+              <a:rPr lang="en-CA" sz="2400" dirty="0" smtClean="0">
+                <a:solidFill>
+                  <a:srgbClr val="0000FF"/>
+                </a:solidFill>
+                <a:latin typeface="Consolas" panose="020B0609020204030204" pitchFamily="49" charset="0"/>
+              </a:rPr>
+              <a:t>for</a:t>
+            </a:r>
+            <a:r>
+              <a:rPr lang="en-CA" sz="2400" dirty="0">
+                <a:latin typeface="Consolas" panose="020B0609020204030204" pitchFamily="49" charset="0"/>
+              </a:rPr>
+              <a:t> artist </a:t>
+            </a:r>
+            <a:r>
+              <a:rPr lang="en-CA" sz="2400" dirty="0">
+                <a:solidFill>
+                  <a:srgbClr val="0000FF"/>
+                </a:solidFill>
+                <a:latin typeface="Consolas" panose="020B0609020204030204" pitchFamily="49" charset="0"/>
+              </a:rPr>
+              <a:t>in</a:t>
+            </a:r>
+            <a:r>
+              <a:rPr lang="en-CA" sz="2400" dirty="0">
+                <a:latin typeface="Consolas" panose="020B0609020204030204" pitchFamily="49" charset="0"/>
+              </a:rPr>
+              <a:t> </a:t>
+            </a:r>
+            <a:r>
+              <a:rPr lang="en-CA" sz="2400" dirty="0" err="1">
+                <a:latin typeface="Consolas" panose="020B0609020204030204" pitchFamily="49" charset="0"/>
+              </a:rPr>
+              <a:t>allArtists</a:t>
+            </a:r>
+            <a:r>
+              <a:rPr lang="en-CA" sz="2400" dirty="0">
+                <a:latin typeface="Consolas" panose="020B0609020204030204" pitchFamily="49" charset="0"/>
+              </a:rPr>
+              <a:t>:</a:t>
+            </a:r>
+          </a:p>
+          <a:p>
+            <a:r>
+              <a:rPr lang="en-CA" sz="2400" dirty="0">
+                <a:latin typeface="Consolas" panose="020B0609020204030204" pitchFamily="49" charset="0"/>
+              </a:rPr>
+              <a:t>    </a:t>
+            </a:r>
+            <a:r>
+              <a:rPr lang="en-CA" sz="2400" dirty="0">
+                <a:solidFill>
+                  <a:srgbClr val="0000FF"/>
+                </a:solidFill>
+                <a:latin typeface="Consolas" panose="020B0609020204030204" pitchFamily="49" charset="0"/>
+              </a:rPr>
+              <a:t>print</a:t>
+            </a:r>
+            <a:r>
+              <a:rPr lang="en-CA" sz="2400" dirty="0">
+                <a:latin typeface="Consolas" panose="020B0609020204030204" pitchFamily="49" charset="0"/>
+              </a:rPr>
+              <a:t>(artist.</a:t>
+            </a:r>
+            <a:r>
+              <a:rPr lang="en-CA" sz="2400" dirty="0">
+                <a:solidFill>
+                  <a:srgbClr val="008080"/>
+                </a:solidFill>
+                <a:latin typeface="Consolas" panose="020B0609020204030204" pitchFamily="49" charset="0"/>
+              </a:rPr>
+              <a:t>name</a:t>
+            </a:r>
+            <a:r>
+              <a:rPr lang="en-CA" sz="2400" dirty="0">
+                <a:latin typeface="Consolas" panose="020B0609020204030204" pitchFamily="49" charset="0"/>
+              </a:rPr>
+              <a:t>);</a:t>
+            </a:r>
+          </a:p>
+          <a:p>
+            <a:endParaRPr lang="en-CA" sz="2400" dirty="0">
+              <a:latin typeface="Consolas" panose="020B0609020204030204" pitchFamily="49" charset="0"/>
+            </a:endParaRPr>
+          </a:p>
+          <a:p>
+            <a:r>
+              <a:rPr lang="en-CA" sz="2400" dirty="0" smtClean="0">
+                <a:solidFill>
+                  <a:srgbClr val="008000"/>
+                </a:solidFill>
+                <a:latin typeface="Consolas" panose="020B0609020204030204" pitchFamily="49" charset="0"/>
+              </a:rPr>
+              <a:t>#</a:t>
+            </a:r>
+            <a:r>
+              <a:rPr lang="en-CA" sz="2400" dirty="0">
+                <a:solidFill>
+                  <a:srgbClr val="008000"/>
+                </a:solidFill>
+                <a:latin typeface="Consolas" panose="020B0609020204030204" pitchFamily="49" charset="0"/>
+              </a:rPr>
+              <a:t> Retrieve a specific object by its ID by using get(ID);</a:t>
+            </a:r>
+            <a:endParaRPr lang="en-CA" sz="2400" dirty="0">
+              <a:latin typeface="Consolas" panose="020B0609020204030204" pitchFamily="49" charset="0"/>
+            </a:endParaRPr>
+          </a:p>
+          <a:p>
+            <a:r>
+              <a:rPr lang="en-CA" sz="2400" dirty="0" err="1" smtClean="0">
+                <a:latin typeface="Consolas" panose="020B0609020204030204" pitchFamily="49" charset="0"/>
+              </a:rPr>
+              <a:t>firstArtist</a:t>
+            </a:r>
+            <a:r>
+              <a:rPr lang="en-CA" sz="2400" dirty="0">
+                <a:latin typeface="Consolas" panose="020B0609020204030204" pitchFamily="49" charset="0"/>
+              </a:rPr>
+              <a:t> = </a:t>
+            </a:r>
+            <a:r>
+              <a:rPr lang="en-CA" sz="2400" dirty="0" err="1">
+                <a:latin typeface="Consolas" panose="020B0609020204030204" pitchFamily="49" charset="0"/>
+              </a:rPr>
+              <a:t>Artist.objects.</a:t>
+            </a:r>
+            <a:r>
+              <a:rPr lang="en-CA" sz="2400" dirty="0" err="1">
+                <a:solidFill>
+                  <a:srgbClr val="008080"/>
+                </a:solidFill>
+                <a:latin typeface="Consolas" panose="020B0609020204030204" pitchFamily="49" charset="0"/>
+              </a:rPr>
+              <a:t>get</a:t>
+            </a:r>
+            <a:r>
+              <a:rPr lang="en-CA" sz="2400" dirty="0">
+                <a:latin typeface="Consolas" panose="020B0609020204030204" pitchFamily="49" charset="0"/>
+              </a:rPr>
+              <a:t>(1);</a:t>
+            </a:r>
+          </a:p>
+          <a:p>
+            <a:r>
+              <a:rPr lang="en-CA" sz="2400" dirty="0" smtClean="0">
+                <a:solidFill>
+                  <a:srgbClr val="0000FF"/>
+                </a:solidFill>
+                <a:latin typeface="Consolas" panose="020B0609020204030204" pitchFamily="49" charset="0"/>
+              </a:rPr>
+              <a:t>print</a:t>
+            </a:r>
+            <a:r>
+              <a:rPr lang="en-CA" sz="2400" dirty="0" smtClean="0">
+                <a:latin typeface="Consolas" panose="020B0609020204030204" pitchFamily="49" charset="0"/>
+              </a:rPr>
+              <a:t>(firstArtist.</a:t>
+            </a:r>
+            <a:r>
+              <a:rPr lang="en-CA" sz="2400" dirty="0" smtClean="0">
+                <a:solidFill>
+                  <a:srgbClr val="008080"/>
+                </a:solidFill>
+                <a:latin typeface="Consolas" panose="020B0609020204030204" pitchFamily="49" charset="0"/>
+              </a:rPr>
+              <a:t>name</a:t>
+            </a:r>
+            <a:r>
+              <a:rPr lang="en-CA" sz="2400" dirty="0">
+                <a:latin typeface="Consolas" panose="020B0609020204030204" pitchFamily="49" charset="0"/>
+              </a:rPr>
+              <a:t>);</a:t>
+            </a:r>
+            <a:endParaRPr lang="en-CA" sz="2400" dirty="0">
+              <a:effectLst/>
+              <a:latin typeface="Consolas" panose="020B0609020204030204" pitchFamily="49" charset="0"/>
+            </a:endParaRPr>
           </a:p>
         </p:txBody>
       </p:sp>
     </p:spTree>
     <p:extLst>
       <p:ext uri="{BB962C8B-B14F-4D97-AF65-F5344CB8AC3E}">
-        <p14:creationId xmlns:p14="http://schemas.microsoft.com/office/powerpoint/2010/main" val="4199911473"/>
+        <p14:creationId xmlns:p14="http://schemas.microsoft.com/office/powerpoint/2010/main" val="3831475721"/>
       </p:ext>
     </p:extLst>
   </p:cSld>
   <p:clrMapOvr>
     <a:masterClrMapping/>
   </p:clrMapOvr>
+  <mc:AlternateContent xmlns:mc="http://schemas.openxmlformats.org/markup-compatibility/2006" xmlns:p14="http://schemas.microsoft.com/office/powerpoint/2010/main">
+    <mc:Choice Requires="p14">
+      <p:transition spd="slow" p14:dur="2000"/>
+    </mc:Choice>
+    <mc:Fallback xmlns="">
+      <p:transition spd="slow"/>
+    </mc:Fallback>
+  </mc:AlternateContent>
+  <p:timing>
+    <p:tnLst>
+      <p:par>
+        <p:cTn id="1" dur="indefinite" restart="never" nodeType="tmRoot"/>
+      </p:par>
+    </p:tnLst>
+  </p:timing>
 </p:sld>
 </file>
 
@@ -8170,17 +9899,17 @@
 <file path=customXml/itemProps2.xml><?xml version="1.0" encoding="utf-8"?>
 <ds:datastoreItem xmlns:ds="http://schemas.openxmlformats.org/officeDocument/2006/customXml" ds:itemID="{7025FDD9-4C58-4084-9F89-0E6ADD6FFF55}">
   <ds:schemaRefs>
+    <ds:schemaRef ds:uri="http://purl.org/dc/dcmitype/"/>
+    <ds:schemaRef ds:uri="http://schemas.microsoft.com/office/2006/metadata/properties"/>
+    <ds:schemaRef ds:uri="230e9df3-be65-4c73-a93b-d1236ebd677e"/>
+    <ds:schemaRef ds:uri="http://purl.org/dc/elements/1.1/"/>
+    <ds:schemaRef ds:uri="http://schemas.microsoft.com/office/infopath/2007/PartnerControls"/>
     <ds:schemaRef ds:uri="http://schemas.microsoft.com/office/2006/documentManagement/types"/>
-    <ds:schemaRef ds:uri="http://schemas.microsoft.com/office/2006/metadata/properties"/>
+    <ds:schemaRef ds:uri="http://schemas.openxmlformats.org/package/2006/metadata/core-properties"/>
+    <ds:schemaRef ds:uri="27aa9422-7f1f-4c84-9cdf-302b1a67e513"/>
+    <ds:schemaRef ds:uri="http://schemas.microsoft.com/sharepoint/v3"/>
+    <ds:schemaRef ds:uri="http://www.w3.org/XML/1998/namespace"/>
     <ds:schemaRef ds:uri="http://purl.org/dc/terms/"/>
-    <ds:schemaRef ds:uri="http://purl.org/dc/dcmitype/"/>
-    <ds:schemaRef ds:uri="http://www.w3.org/XML/1998/namespace"/>
-    <ds:schemaRef ds:uri="http://schemas.microsoft.com/office/infopath/2007/PartnerControls"/>
-    <ds:schemaRef ds:uri="http://schemas.openxmlformats.org/package/2006/metadata/core-properties"/>
-    <ds:schemaRef ds:uri="http://purl.org/dc/elements/1.1/"/>
-    <ds:schemaRef ds:uri="27aa9422-7f1f-4c84-9cdf-302b1a67e513"/>
-    <ds:schemaRef ds:uri="230e9df3-be65-4c73-a93b-d1236ebd677e"/>
-    <ds:schemaRef ds:uri="http://schemas.microsoft.com/sharepoint/v3"/>
   </ds:schemaRefs>
 </ds:datastoreItem>
 </file>
